--- a/materiale_raw/FastAPI-PBG.pptx
+++ b/materiale_raw/FastAPI-PBG.pptx
@@ -16,21 +16,21 @@
   <p:notesSz cx="6858000" cy="9144000"/>
   <p:embeddedFontLst>
     <p:embeddedFont>
-      <p:font typeface="Montserrat Classic Bold" panose="020B0604020202020204" charset="0"/>
+      <p:font typeface="Calibri" panose="020F0502020204030204" pitchFamily="34" charset="0"/>
       <p:regular r:id="rId8"/>
       <p:bold r:id="rId9"/>
       <p:italic r:id="rId10"/>
       <p:boldItalic r:id="rId11"/>
     </p:embeddedFont>
     <p:embeddedFont>
-      <p:font typeface="Calibri" panose="020F0502020204030204" pitchFamily="34" charset="0"/>
+      <p:font typeface="Montserrat Classic" panose="020B0604020202020204" charset="0"/>
       <p:regular r:id="rId12"/>
       <p:bold r:id="rId13"/>
       <p:italic r:id="rId14"/>
       <p:boldItalic r:id="rId15"/>
     </p:embeddedFont>
     <p:embeddedFont>
-      <p:font typeface="Montserrat Classic" panose="020B0604020202020204" charset="0"/>
+      <p:font typeface="Montserrat Classic Bold" panose="020B0604020202020204" charset="0"/>
       <p:regular r:id="rId16"/>
       <p:bold r:id="rId17"/>
       <p:italic r:id="rId18"/>
@@ -189,10 +189,9 @@
           <a:lstStyle/>
           <a:p>
             <a:r>
-              <a:rPr lang="en-US" smtClean="0"/>
+              <a:rPr lang="en-US"/>
               <a:t>Click to edit Master title style</a:t>
             </a:r>
-            <a:endParaRPr lang="en-US"/>
           </a:p>
         </p:txBody>
       </p:sp>
@@ -308,10 +307,9 @@
           </a:lstStyle>
           <a:p>
             <a:r>
-              <a:rPr lang="en-US" smtClean="0"/>
+              <a:rPr lang="en-US"/>
               <a:t>Click to edit Master subtitle style</a:t>
             </a:r>
-            <a:endParaRPr lang="en-US"/>
           </a:p>
         </p:txBody>
       </p:sp>
@@ -333,7 +331,7 @@
             <a:fld id="{1D8BD707-D9CF-40AE-B4C6-C98DA3205C09}" type="datetimeFigureOut">
               <a:rPr lang="en-US" smtClean="0"/>
               <a:pPr/>
-              <a:t>8/27/2021</a:t>
+              <a:t>9/4/2021</a:t>
             </a:fld>
             <a:endParaRPr lang="en-US"/>
           </a:p>
@@ -376,7 +374,7 @@
             <a:fld id="{B6F15528-21DE-4FAA-801E-634DDDAF4B2B}" type="slidenum">
               <a:rPr lang="en-US" smtClean="0"/>
               <a:pPr/>
-              <a:t>‹N›</a:t>
+              <a:t>‹#›</a:t>
             </a:fld>
             <a:endParaRPr lang="en-US"/>
           </a:p>
@@ -423,10 +421,9 @@
           <a:lstStyle/>
           <a:p>
             <a:r>
-              <a:rPr lang="en-US" smtClean="0"/>
+              <a:rPr lang="en-US"/>
               <a:t>Click to edit Master title style</a:t>
             </a:r>
-            <a:endParaRPr lang="en-US"/>
           </a:p>
         </p:txBody>
       </p:sp>
@@ -447,38 +444,37 @@
           <a:p>
             <a:pPr lvl="0"/>
             <a:r>
-              <a:rPr lang="en-US" smtClean="0"/>
+              <a:rPr lang="en-US"/>
               <a:t>Click to edit Master text styles</a:t>
             </a:r>
           </a:p>
           <a:p>
             <a:pPr lvl="1"/>
             <a:r>
-              <a:rPr lang="en-US" smtClean="0"/>
+              <a:rPr lang="en-US"/>
               <a:t>Second level</a:t>
             </a:r>
           </a:p>
           <a:p>
             <a:pPr lvl="2"/>
             <a:r>
-              <a:rPr lang="en-US" smtClean="0"/>
+              <a:rPr lang="en-US"/>
               <a:t>Third level</a:t>
             </a:r>
           </a:p>
           <a:p>
             <a:pPr lvl="3"/>
             <a:r>
-              <a:rPr lang="en-US" smtClean="0"/>
+              <a:rPr lang="en-US"/>
               <a:t>Fourth level</a:t>
             </a:r>
           </a:p>
           <a:p>
             <a:pPr lvl="4"/>
             <a:r>
-              <a:rPr lang="en-US" smtClean="0"/>
+              <a:rPr lang="en-US"/>
               <a:t>Fifth level</a:t>
             </a:r>
-            <a:endParaRPr lang="en-US"/>
           </a:p>
         </p:txBody>
       </p:sp>
@@ -500,7 +496,7 @@
             <a:fld id="{1D8BD707-D9CF-40AE-B4C6-C98DA3205C09}" type="datetimeFigureOut">
               <a:rPr lang="en-US" smtClean="0"/>
               <a:pPr/>
-              <a:t>8/27/2021</a:t>
+              <a:t>9/4/2021</a:t>
             </a:fld>
             <a:endParaRPr lang="en-US"/>
           </a:p>
@@ -543,7 +539,7 @@
             <a:fld id="{B6F15528-21DE-4FAA-801E-634DDDAF4B2B}" type="slidenum">
               <a:rPr lang="en-US" smtClean="0"/>
               <a:pPr/>
-              <a:t>‹N›</a:t>
+              <a:t>‹#›</a:t>
             </a:fld>
             <a:endParaRPr lang="en-US"/>
           </a:p>
@@ -595,10 +591,9 @@
           <a:lstStyle/>
           <a:p>
             <a:r>
-              <a:rPr lang="en-US" smtClean="0"/>
+              <a:rPr lang="en-US"/>
               <a:t>Click to edit Master title style</a:t>
             </a:r>
-            <a:endParaRPr lang="en-US"/>
           </a:p>
         </p:txBody>
       </p:sp>
@@ -624,38 +619,37 @@
           <a:p>
             <a:pPr lvl="0"/>
             <a:r>
-              <a:rPr lang="en-US" smtClean="0"/>
+              <a:rPr lang="en-US"/>
               <a:t>Click to edit Master text styles</a:t>
             </a:r>
           </a:p>
           <a:p>
             <a:pPr lvl="1"/>
             <a:r>
-              <a:rPr lang="en-US" smtClean="0"/>
+              <a:rPr lang="en-US"/>
               <a:t>Second level</a:t>
             </a:r>
           </a:p>
           <a:p>
             <a:pPr lvl="2"/>
             <a:r>
-              <a:rPr lang="en-US" smtClean="0"/>
+              <a:rPr lang="en-US"/>
               <a:t>Third level</a:t>
             </a:r>
           </a:p>
           <a:p>
             <a:pPr lvl="3"/>
             <a:r>
-              <a:rPr lang="en-US" smtClean="0"/>
+              <a:rPr lang="en-US"/>
               <a:t>Fourth level</a:t>
             </a:r>
           </a:p>
           <a:p>
             <a:pPr lvl="4"/>
             <a:r>
-              <a:rPr lang="en-US" smtClean="0"/>
+              <a:rPr lang="en-US"/>
               <a:t>Fifth level</a:t>
             </a:r>
-            <a:endParaRPr lang="en-US"/>
           </a:p>
         </p:txBody>
       </p:sp>
@@ -677,7 +671,7 @@
             <a:fld id="{1D8BD707-D9CF-40AE-B4C6-C98DA3205C09}" type="datetimeFigureOut">
               <a:rPr lang="en-US" smtClean="0"/>
               <a:pPr/>
-              <a:t>8/27/2021</a:t>
+              <a:t>9/4/2021</a:t>
             </a:fld>
             <a:endParaRPr lang="en-US"/>
           </a:p>
@@ -720,7 +714,7 @@
             <a:fld id="{B6F15528-21DE-4FAA-801E-634DDDAF4B2B}" type="slidenum">
               <a:rPr lang="en-US" smtClean="0"/>
               <a:pPr/>
-              <a:t>‹N›</a:t>
+              <a:t>‹#›</a:t>
             </a:fld>
             <a:endParaRPr lang="en-US"/>
           </a:p>
@@ -767,10 +761,9 @@
           <a:lstStyle/>
           <a:p>
             <a:r>
-              <a:rPr lang="en-US" smtClean="0"/>
+              <a:rPr lang="en-US"/>
               <a:t>Click to edit Master title style</a:t>
             </a:r>
-            <a:endParaRPr lang="en-US"/>
           </a:p>
         </p:txBody>
       </p:sp>
@@ -791,38 +784,37 @@
           <a:p>
             <a:pPr lvl="0"/>
             <a:r>
-              <a:rPr lang="en-US" smtClean="0"/>
+              <a:rPr lang="en-US"/>
               <a:t>Click to edit Master text styles</a:t>
             </a:r>
           </a:p>
           <a:p>
             <a:pPr lvl="1"/>
             <a:r>
-              <a:rPr lang="en-US" smtClean="0"/>
+              <a:rPr lang="en-US"/>
               <a:t>Second level</a:t>
             </a:r>
           </a:p>
           <a:p>
             <a:pPr lvl="2"/>
             <a:r>
-              <a:rPr lang="en-US" smtClean="0"/>
+              <a:rPr lang="en-US"/>
               <a:t>Third level</a:t>
             </a:r>
           </a:p>
           <a:p>
             <a:pPr lvl="3"/>
             <a:r>
-              <a:rPr lang="en-US" smtClean="0"/>
+              <a:rPr lang="en-US"/>
               <a:t>Fourth level</a:t>
             </a:r>
           </a:p>
           <a:p>
             <a:pPr lvl="4"/>
             <a:r>
-              <a:rPr lang="en-US" smtClean="0"/>
+              <a:rPr lang="en-US"/>
               <a:t>Fifth level</a:t>
             </a:r>
-            <a:endParaRPr lang="en-US"/>
           </a:p>
         </p:txBody>
       </p:sp>
@@ -844,7 +836,7 @@
             <a:fld id="{1D8BD707-D9CF-40AE-B4C6-C98DA3205C09}" type="datetimeFigureOut">
               <a:rPr lang="en-US" smtClean="0"/>
               <a:pPr/>
-              <a:t>8/27/2021</a:t>
+              <a:t>9/4/2021</a:t>
             </a:fld>
             <a:endParaRPr lang="en-US"/>
           </a:p>
@@ -887,7 +879,7 @@
             <a:fld id="{B6F15528-21DE-4FAA-801E-634DDDAF4B2B}" type="slidenum">
               <a:rPr lang="en-US" smtClean="0"/>
               <a:pPr/>
-              <a:t>‹N›</a:t>
+              <a:t>‹#›</a:t>
             </a:fld>
             <a:endParaRPr lang="en-US"/>
           </a:p>
@@ -943,10 +935,9 @@
           </a:lstStyle>
           <a:p>
             <a:r>
-              <a:rPr lang="en-US" smtClean="0"/>
+              <a:rPr lang="en-US"/>
               <a:t>Click to edit Master title style</a:t>
             </a:r>
-            <a:endParaRPr lang="en-US"/>
           </a:p>
         </p:txBody>
       </p:sp>
@@ -1063,7 +1054,7 @@
           <a:p>
             <a:pPr lvl="0"/>
             <a:r>
-              <a:rPr lang="en-US" smtClean="0"/>
+              <a:rPr lang="en-US"/>
               <a:t>Click to edit Master text styles</a:t>
             </a:r>
           </a:p>
@@ -1087,7 +1078,7 @@
             <a:fld id="{1D8BD707-D9CF-40AE-B4C6-C98DA3205C09}" type="datetimeFigureOut">
               <a:rPr lang="en-US" smtClean="0"/>
               <a:pPr/>
-              <a:t>8/27/2021</a:t>
+              <a:t>9/4/2021</a:t>
             </a:fld>
             <a:endParaRPr lang="en-US"/>
           </a:p>
@@ -1130,7 +1121,7 @@
             <a:fld id="{B6F15528-21DE-4FAA-801E-634DDDAF4B2B}" type="slidenum">
               <a:rPr lang="en-US" smtClean="0"/>
               <a:pPr/>
-              <a:t>‹N›</a:t>
+              <a:t>‹#›</a:t>
             </a:fld>
             <a:endParaRPr lang="en-US"/>
           </a:p>
@@ -1177,10 +1168,9 @@
           <a:lstStyle/>
           <a:p>
             <a:r>
-              <a:rPr lang="en-US" smtClean="0"/>
+              <a:rPr lang="en-US"/>
               <a:t>Click to edit Master title style</a:t>
             </a:r>
-            <a:endParaRPr lang="en-US"/>
           </a:p>
         </p:txBody>
       </p:sp>
@@ -1234,38 +1224,37 @@
           <a:p>
             <a:pPr lvl="0"/>
             <a:r>
-              <a:rPr lang="en-US" smtClean="0"/>
+              <a:rPr lang="en-US"/>
               <a:t>Click to edit Master text styles</a:t>
             </a:r>
           </a:p>
           <a:p>
             <a:pPr lvl="1"/>
             <a:r>
-              <a:rPr lang="en-US" smtClean="0"/>
+              <a:rPr lang="en-US"/>
               <a:t>Second level</a:t>
             </a:r>
           </a:p>
           <a:p>
             <a:pPr lvl="2"/>
             <a:r>
-              <a:rPr lang="en-US" smtClean="0"/>
+              <a:rPr lang="en-US"/>
               <a:t>Third level</a:t>
             </a:r>
           </a:p>
           <a:p>
             <a:pPr lvl="3"/>
             <a:r>
-              <a:rPr lang="en-US" smtClean="0"/>
+              <a:rPr lang="en-US"/>
               <a:t>Fourth level</a:t>
             </a:r>
           </a:p>
           <a:p>
             <a:pPr lvl="4"/>
             <a:r>
-              <a:rPr lang="en-US" smtClean="0"/>
+              <a:rPr lang="en-US"/>
               <a:t>Fifth level</a:t>
             </a:r>
-            <a:endParaRPr lang="en-US"/>
           </a:p>
         </p:txBody>
       </p:sp>
@@ -1319,38 +1308,37 @@
           <a:p>
             <a:pPr lvl="0"/>
             <a:r>
-              <a:rPr lang="en-US" smtClean="0"/>
+              <a:rPr lang="en-US"/>
               <a:t>Click to edit Master text styles</a:t>
             </a:r>
           </a:p>
           <a:p>
             <a:pPr lvl="1"/>
             <a:r>
-              <a:rPr lang="en-US" smtClean="0"/>
+              <a:rPr lang="en-US"/>
               <a:t>Second level</a:t>
             </a:r>
           </a:p>
           <a:p>
             <a:pPr lvl="2"/>
             <a:r>
-              <a:rPr lang="en-US" smtClean="0"/>
+              <a:rPr lang="en-US"/>
               <a:t>Third level</a:t>
             </a:r>
           </a:p>
           <a:p>
             <a:pPr lvl="3"/>
             <a:r>
-              <a:rPr lang="en-US" smtClean="0"/>
+              <a:rPr lang="en-US"/>
               <a:t>Fourth level</a:t>
             </a:r>
           </a:p>
           <a:p>
             <a:pPr lvl="4"/>
             <a:r>
-              <a:rPr lang="en-US" smtClean="0"/>
+              <a:rPr lang="en-US"/>
               <a:t>Fifth level</a:t>
             </a:r>
-            <a:endParaRPr lang="en-US"/>
           </a:p>
         </p:txBody>
       </p:sp>
@@ -1372,7 +1360,7 @@
             <a:fld id="{1D8BD707-D9CF-40AE-B4C6-C98DA3205C09}" type="datetimeFigureOut">
               <a:rPr lang="en-US" smtClean="0"/>
               <a:pPr/>
-              <a:t>8/27/2021</a:t>
+              <a:t>9/4/2021</a:t>
             </a:fld>
             <a:endParaRPr lang="en-US"/>
           </a:p>
@@ -1415,7 +1403,7 @@
             <a:fld id="{B6F15528-21DE-4FAA-801E-634DDDAF4B2B}" type="slidenum">
               <a:rPr lang="en-US" smtClean="0"/>
               <a:pPr/>
-              <a:t>‹N›</a:t>
+              <a:t>‹#›</a:t>
             </a:fld>
             <a:endParaRPr lang="en-US"/>
           </a:p>
@@ -1466,10 +1454,9 @@
           </a:lstStyle>
           <a:p>
             <a:r>
-              <a:rPr lang="en-US" smtClean="0"/>
+              <a:rPr lang="en-US"/>
               <a:t>Click to edit Master title style</a:t>
             </a:r>
-            <a:endParaRPr lang="en-US"/>
           </a:p>
         </p:txBody>
       </p:sp>
@@ -1532,7 +1519,7 @@
           <a:p>
             <a:pPr lvl="0"/>
             <a:r>
-              <a:rPr lang="en-US" smtClean="0"/>
+              <a:rPr lang="en-US"/>
               <a:t>Click to edit Master text styles</a:t>
             </a:r>
           </a:p>
@@ -1588,38 +1575,37 @@
           <a:p>
             <a:pPr lvl="0"/>
             <a:r>
-              <a:rPr lang="en-US" smtClean="0"/>
+              <a:rPr lang="en-US"/>
               <a:t>Click to edit Master text styles</a:t>
             </a:r>
           </a:p>
           <a:p>
             <a:pPr lvl="1"/>
             <a:r>
-              <a:rPr lang="en-US" smtClean="0"/>
+              <a:rPr lang="en-US"/>
               <a:t>Second level</a:t>
             </a:r>
           </a:p>
           <a:p>
             <a:pPr lvl="2"/>
             <a:r>
-              <a:rPr lang="en-US" smtClean="0"/>
+              <a:rPr lang="en-US"/>
               <a:t>Third level</a:t>
             </a:r>
           </a:p>
           <a:p>
             <a:pPr lvl="3"/>
             <a:r>
-              <a:rPr lang="en-US" smtClean="0"/>
+              <a:rPr lang="en-US"/>
               <a:t>Fourth level</a:t>
             </a:r>
           </a:p>
           <a:p>
             <a:pPr lvl="4"/>
             <a:r>
-              <a:rPr lang="en-US" smtClean="0"/>
+              <a:rPr lang="en-US"/>
               <a:t>Fifth level</a:t>
             </a:r>
-            <a:endParaRPr lang="en-US"/>
           </a:p>
         </p:txBody>
       </p:sp>
@@ -1682,7 +1668,7 @@
           <a:p>
             <a:pPr lvl="0"/>
             <a:r>
-              <a:rPr lang="en-US" smtClean="0"/>
+              <a:rPr lang="en-US"/>
               <a:t>Click to edit Master text styles</a:t>
             </a:r>
           </a:p>
@@ -1738,38 +1724,37 @@
           <a:p>
             <a:pPr lvl="0"/>
             <a:r>
-              <a:rPr lang="en-US" smtClean="0"/>
+              <a:rPr lang="en-US"/>
               <a:t>Click to edit Master text styles</a:t>
             </a:r>
           </a:p>
           <a:p>
             <a:pPr lvl="1"/>
             <a:r>
-              <a:rPr lang="en-US" smtClean="0"/>
+              <a:rPr lang="en-US"/>
               <a:t>Second level</a:t>
             </a:r>
           </a:p>
           <a:p>
             <a:pPr lvl="2"/>
             <a:r>
-              <a:rPr lang="en-US" smtClean="0"/>
+              <a:rPr lang="en-US"/>
               <a:t>Third level</a:t>
             </a:r>
           </a:p>
           <a:p>
             <a:pPr lvl="3"/>
             <a:r>
-              <a:rPr lang="en-US" smtClean="0"/>
+              <a:rPr lang="en-US"/>
               <a:t>Fourth level</a:t>
             </a:r>
           </a:p>
           <a:p>
             <a:pPr lvl="4"/>
             <a:r>
-              <a:rPr lang="en-US" smtClean="0"/>
+              <a:rPr lang="en-US"/>
               <a:t>Fifth level</a:t>
             </a:r>
-            <a:endParaRPr lang="en-US"/>
           </a:p>
         </p:txBody>
       </p:sp>
@@ -1791,7 +1776,7 @@
             <a:fld id="{1D8BD707-D9CF-40AE-B4C6-C98DA3205C09}" type="datetimeFigureOut">
               <a:rPr lang="en-US" smtClean="0"/>
               <a:pPr/>
-              <a:t>8/27/2021</a:t>
+              <a:t>9/4/2021</a:t>
             </a:fld>
             <a:endParaRPr lang="en-US"/>
           </a:p>
@@ -1834,7 +1819,7 @@
             <a:fld id="{B6F15528-21DE-4FAA-801E-634DDDAF4B2B}" type="slidenum">
               <a:rPr lang="en-US" smtClean="0"/>
               <a:pPr/>
-              <a:t>‹N›</a:t>
+              <a:t>‹#›</a:t>
             </a:fld>
             <a:endParaRPr lang="en-US"/>
           </a:p>
@@ -1881,10 +1866,9 @@
           <a:lstStyle/>
           <a:p>
             <a:r>
-              <a:rPr lang="en-US" smtClean="0"/>
+              <a:rPr lang="en-US"/>
               <a:t>Click to edit Master title style</a:t>
             </a:r>
-            <a:endParaRPr lang="en-US"/>
           </a:p>
         </p:txBody>
       </p:sp>
@@ -1906,7 +1890,7 @@
             <a:fld id="{1D8BD707-D9CF-40AE-B4C6-C98DA3205C09}" type="datetimeFigureOut">
               <a:rPr lang="en-US" smtClean="0"/>
               <a:pPr/>
-              <a:t>8/27/2021</a:t>
+              <a:t>9/4/2021</a:t>
             </a:fld>
             <a:endParaRPr lang="en-US"/>
           </a:p>
@@ -1949,7 +1933,7 @@
             <a:fld id="{B6F15528-21DE-4FAA-801E-634DDDAF4B2B}" type="slidenum">
               <a:rPr lang="en-US" smtClean="0"/>
               <a:pPr/>
-              <a:t>‹N›</a:t>
+              <a:t>‹#›</a:t>
             </a:fld>
             <a:endParaRPr lang="en-US"/>
           </a:p>
@@ -1998,7 +1982,7 @@
             <a:fld id="{1D8BD707-D9CF-40AE-B4C6-C98DA3205C09}" type="datetimeFigureOut">
               <a:rPr lang="en-US" smtClean="0"/>
               <a:pPr/>
-              <a:t>8/27/2021</a:t>
+              <a:t>9/4/2021</a:t>
             </a:fld>
             <a:endParaRPr lang="en-US"/>
           </a:p>
@@ -2041,7 +2025,7 @@
             <a:fld id="{B6F15528-21DE-4FAA-801E-634DDDAF4B2B}" type="slidenum">
               <a:rPr lang="en-US" smtClean="0"/>
               <a:pPr/>
-              <a:t>‹N›</a:t>
+              <a:t>‹#›</a:t>
             </a:fld>
             <a:endParaRPr lang="en-US"/>
           </a:p>
@@ -2052,13 +2036,6 @@
   <p:clrMapOvr>
     <a:masterClrMapping/>
   </p:clrMapOvr>
-  <p:timing>
-    <p:tnLst>
-      <p:par>
-        <p:cTn id="1" dur="indefinite" restart="never" nodeType="tmRoot"/>
-      </p:par>
-    </p:tnLst>
-  </p:timing>
 </p:sldLayout>
 </file>
 
@@ -2104,10 +2081,9 @@
           </a:lstStyle>
           <a:p>
             <a:r>
-              <a:rPr lang="en-US" smtClean="0"/>
+              <a:rPr lang="en-US"/>
               <a:t>Click to edit Master title style</a:t>
             </a:r>
-            <a:endParaRPr lang="en-US"/>
           </a:p>
         </p:txBody>
       </p:sp>
@@ -2161,38 +2137,37 @@
           <a:p>
             <a:pPr lvl="0"/>
             <a:r>
-              <a:rPr lang="en-US" smtClean="0"/>
+              <a:rPr lang="en-US"/>
               <a:t>Click to edit Master text styles</a:t>
             </a:r>
           </a:p>
           <a:p>
             <a:pPr lvl="1"/>
             <a:r>
-              <a:rPr lang="en-US" smtClean="0"/>
+              <a:rPr lang="en-US"/>
               <a:t>Second level</a:t>
             </a:r>
           </a:p>
           <a:p>
             <a:pPr lvl="2"/>
             <a:r>
-              <a:rPr lang="en-US" smtClean="0"/>
+              <a:rPr lang="en-US"/>
               <a:t>Third level</a:t>
             </a:r>
           </a:p>
           <a:p>
             <a:pPr lvl="3"/>
             <a:r>
-              <a:rPr lang="en-US" smtClean="0"/>
+              <a:rPr lang="en-US"/>
               <a:t>Fourth level</a:t>
             </a:r>
           </a:p>
           <a:p>
             <a:pPr lvl="4"/>
             <a:r>
-              <a:rPr lang="en-US" smtClean="0"/>
+              <a:rPr lang="en-US"/>
               <a:t>Fifth level</a:t>
             </a:r>
-            <a:endParaRPr lang="en-US"/>
           </a:p>
         </p:txBody>
       </p:sp>
@@ -2255,7 +2230,7 @@
           <a:p>
             <a:pPr lvl="0"/>
             <a:r>
-              <a:rPr lang="en-US" smtClean="0"/>
+              <a:rPr lang="en-US"/>
               <a:t>Click to edit Master text styles</a:t>
             </a:r>
           </a:p>
@@ -2279,7 +2254,7 @@
             <a:fld id="{1D8BD707-D9CF-40AE-B4C6-C98DA3205C09}" type="datetimeFigureOut">
               <a:rPr lang="en-US" smtClean="0"/>
               <a:pPr/>
-              <a:t>8/27/2021</a:t>
+              <a:t>9/4/2021</a:t>
             </a:fld>
             <a:endParaRPr lang="en-US"/>
           </a:p>
@@ -2322,7 +2297,7 @@
             <a:fld id="{B6F15528-21DE-4FAA-801E-634DDDAF4B2B}" type="slidenum">
               <a:rPr lang="en-US" smtClean="0"/>
               <a:pPr/>
-              <a:t>‹N›</a:t>
+              <a:t>‹#›</a:t>
             </a:fld>
             <a:endParaRPr lang="en-US"/>
           </a:p>
@@ -2378,10 +2353,9 @@
           </a:lstStyle>
           <a:p>
             <a:r>
-              <a:rPr lang="en-US" smtClean="0"/>
+              <a:rPr lang="en-US"/>
               <a:t>Click to edit Master title style</a:t>
             </a:r>
-            <a:endParaRPr lang="en-US"/>
           </a:p>
         </p:txBody>
       </p:sp>
@@ -2505,7 +2479,7 @@
           <a:p>
             <a:pPr lvl="0"/>
             <a:r>
-              <a:rPr lang="en-US" smtClean="0"/>
+              <a:rPr lang="en-US"/>
               <a:t>Click to edit Master text styles</a:t>
             </a:r>
           </a:p>
@@ -2529,7 +2503,7 @@
             <a:fld id="{1D8BD707-D9CF-40AE-B4C6-C98DA3205C09}" type="datetimeFigureOut">
               <a:rPr lang="en-US" smtClean="0"/>
               <a:pPr/>
-              <a:t>8/27/2021</a:t>
+              <a:t>9/4/2021</a:t>
             </a:fld>
             <a:endParaRPr lang="en-US"/>
           </a:p>
@@ -2572,7 +2546,7 @@
             <a:fld id="{B6F15528-21DE-4FAA-801E-634DDDAF4B2B}" type="slidenum">
               <a:rPr lang="en-US" smtClean="0"/>
               <a:pPr/>
-              <a:t>‹N›</a:t>
+              <a:t>‹#›</a:t>
             </a:fld>
             <a:endParaRPr lang="en-US"/>
           </a:p>
@@ -2634,10 +2608,9 @@
           <a:lstStyle/>
           <a:p>
             <a:r>
-              <a:rPr lang="en-US" smtClean="0"/>
+              <a:rPr lang="en-US"/>
               <a:t>Click to edit Master title style</a:t>
             </a:r>
-            <a:endParaRPr lang="en-US"/>
           </a:p>
         </p:txBody>
       </p:sp>
@@ -2668,38 +2641,37 @@
           <a:p>
             <a:pPr lvl="0"/>
             <a:r>
-              <a:rPr lang="en-US" smtClean="0"/>
+              <a:rPr lang="en-US"/>
               <a:t>Click to edit Master text styles</a:t>
             </a:r>
           </a:p>
           <a:p>
             <a:pPr lvl="1"/>
             <a:r>
-              <a:rPr lang="en-US" smtClean="0"/>
+              <a:rPr lang="en-US"/>
               <a:t>Second level</a:t>
             </a:r>
           </a:p>
           <a:p>
             <a:pPr lvl="2"/>
             <a:r>
-              <a:rPr lang="en-US" smtClean="0"/>
+              <a:rPr lang="en-US"/>
               <a:t>Third level</a:t>
             </a:r>
           </a:p>
           <a:p>
             <a:pPr lvl="3"/>
             <a:r>
-              <a:rPr lang="en-US" smtClean="0"/>
+              <a:rPr lang="en-US"/>
               <a:t>Fourth level</a:t>
             </a:r>
           </a:p>
           <a:p>
             <a:pPr lvl="4"/>
             <a:r>
-              <a:rPr lang="en-US" smtClean="0"/>
+              <a:rPr lang="en-US"/>
               <a:t>Fifth level</a:t>
             </a:r>
-            <a:endParaRPr lang="en-US"/>
           </a:p>
         </p:txBody>
       </p:sp>
@@ -2739,7 +2711,7 @@
             <a:fld id="{1D8BD707-D9CF-40AE-B4C6-C98DA3205C09}" type="datetimeFigureOut">
               <a:rPr lang="en-US" smtClean="0"/>
               <a:pPr/>
-              <a:t>8/27/2021</a:t>
+              <a:t>9/4/2021</a:t>
             </a:fld>
             <a:endParaRPr lang="en-US"/>
           </a:p>
@@ -2818,7 +2790,7 @@
             <a:fld id="{B6F15528-21DE-4FAA-801E-634DDDAF4B2B}" type="slidenum">
               <a:rPr lang="en-US" smtClean="0"/>
               <a:pPr/>
-              <a:t>‹N›</a:t>
+              <a:t>‹#›</a:t>
             </a:fld>
             <a:endParaRPr lang="en-US"/>
           </a:p>
@@ -2840,13 +2812,6 @@
     <p:sldLayoutId id="2147483658" r:id="rId10"/>
     <p:sldLayoutId id="2147483659" r:id="rId11"/>
   </p:sldLayoutIdLst>
-  <p:timing>
-    <p:tnLst>
-      <p:par>
-        <p:cTn id="1" dur="indefinite" restart="never" nodeType="tmRoot"/>
-      </p:par>
-    </p:tnLst>
-  </p:timing>
   <p:txStyles>
     <p:titleStyle>
       <a:lvl1pPr algn="ctr" defTabSz="914400" rtl="0" eaLnBrk="1" latinLnBrk="0" hangingPunct="1">
@@ -3275,7 +3240,7 @@
               </a:spcBef>
             </a:pPr>
             <a:r>
-              <a:rPr lang="en-US" sz="5400" spc="56" dirty="0" err="1" smtClean="0">
+              <a:rPr lang="en-US" sz="5400" spc="56" dirty="0" err="1">
                 <a:solidFill>
                   <a:srgbClr val="FFFFFF"/>
                 </a:solidFill>
@@ -3284,7 +3249,7 @@
               <a:t>FastAPI</a:t>
             </a:r>
             <a:r>
-              <a:rPr lang="en-US" sz="5400" spc="56" dirty="0" smtClean="0">
+              <a:rPr lang="en-US" sz="5400" spc="56" dirty="0">
                 <a:solidFill>
                   <a:srgbClr val="FFFFFF"/>
                 </a:solidFill>
@@ -3300,22 +3265,13 @@
               </a:spcBef>
             </a:pPr>
             <a:r>
-              <a:rPr lang="en-US" sz="4000" spc="56" dirty="0" smtClean="0">
-                <a:solidFill>
-                  <a:srgbClr val="FFFFFF"/>
-                </a:solidFill>
-                <a:latin typeface="Montserrat Classic Bold"/>
-              </a:rPr>
-              <a:t>High </a:t>
-            </a:r>
-            <a:r>
               <a:rPr lang="en-US" sz="4000" spc="56" dirty="0">
                 <a:solidFill>
                   <a:srgbClr val="FFFFFF"/>
                 </a:solidFill>
                 <a:latin typeface="Montserrat Classic Bold"/>
               </a:rPr>
-              <a:t>performance, easy to learn, fast to code, ready for production</a:t>
+              <a:t>High performance, easy to learn, fast to code, ready for production</a:t>
             </a:r>
           </a:p>
         </p:txBody>
@@ -3328,7 +3284,7 @@
         </p:nvSpPr>
         <p:spPr>
           <a:xfrm>
-            <a:off x="4111687" y="8459874"/>
+            <a:off x="4038600" y="8459874"/>
             <a:ext cx="10010838" cy="230832"/>
           </a:xfrm>
           <a:prstGeom prst="rect">
@@ -3371,41 +3327,17 @@
                 </a:solidFill>
                 <a:latin typeface="Montserrat Classic"/>
               </a:rPr>
-              <a:t> di</a:t>
-            </a:r>
-            <a:r>
-              <a:rPr lang="en-US" sz="1600" spc="25">
-                <a:solidFill>
-                  <a:srgbClr val="FFFFFF"/>
-                </a:solidFill>
-                <a:latin typeface="Montserrat Classic"/>
-              </a:rPr>
-              <a:t>:</a:t>
-            </a:r>
-            <a:r>
-              <a:rPr lang="en-US" sz="1600" spc="25">
-                <a:solidFill>
-                  <a:srgbClr val="FFFFFF"/>
-                </a:solidFill>
-                <a:latin typeface="Montserrat Classic Bold"/>
-              </a:rPr>
-              <a:t> </a:t>
-            </a:r>
-            <a:r>
-              <a:rPr lang="en-US" sz="1600" spc="25" smtClean="0">
-                <a:solidFill>
-                  <a:srgbClr val="FFFFFF"/>
-                </a:solidFill>
-                <a:latin typeface="Montserrat Classic Bold"/>
-              </a:rPr>
-              <a:t>Mario Nardi</a:t>
-            </a:r>
-            <a:endParaRPr lang="en-US" sz="1600" spc="25" dirty="0">
-              <a:solidFill>
-                <a:srgbClr val="FFFFFF"/>
-              </a:solidFill>
-              <a:latin typeface="Montserrat Classic Bold"/>
-            </a:endParaRPr>
+              <a:t> di:</a:t>
+            </a:r>
+            <a:r>
+              <a:rPr lang="en-US" sz="1600" spc="25" dirty="0">
+                <a:solidFill>
+                  <a:srgbClr val="FFFFFF"/>
+                </a:solidFill>
+                <a:latin typeface="Montserrat Classic Bold"/>
+              </a:rPr>
+              <a:t> Andrea e Mario</a:t>
+            </a:r>
           </a:p>
         </p:txBody>
       </p:sp>
@@ -3414,13 +3346,6 @@
   <p:clrMapOvr>
     <a:masterClrMapping/>
   </p:clrMapOvr>
-  <p:timing>
-    <p:tnLst>
-      <p:par>
-        <p:cTn id="1" dur="indefinite" restart="never" nodeType="tmRoot"/>
-      </p:par>
-    </p:tnLst>
-  </p:timing>
 </p:sld>
 </file>
 
@@ -3543,7 +3468,7 @@
         <p:spPr>
           <a:xfrm>
             <a:off x="2375553" y="647700"/>
-            <a:ext cx="11730560" cy="7109639"/>
+            <a:ext cx="11730560" cy="7848302"/>
           </a:xfrm>
           <a:prstGeom prst="rect">
             <a:avLst/>
@@ -3561,7 +3486,7 @@
               </a:spcBef>
             </a:pPr>
             <a:r>
-              <a:rPr lang="en-US" sz="5400" spc="56" dirty="0" err="1" smtClean="0">
+              <a:rPr lang="en-US" sz="5400" spc="56" dirty="0" err="1">
                 <a:solidFill>
                   <a:srgbClr val="FFFFFF"/>
                 </a:solidFill>
@@ -3570,7 +3495,7 @@
               <a:t>Perche</a:t>
             </a:r>
             <a:r>
-              <a:rPr lang="en-US" sz="5400" spc="56" dirty="0" smtClean="0">
+              <a:rPr lang="en-US" sz="5400" spc="56" dirty="0">
                 <a:solidFill>
                   <a:srgbClr val="FFFFFF"/>
                 </a:solidFill>
@@ -3579,7 +3504,7 @@
               <a:t>’ </a:t>
             </a:r>
             <a:r>
-              <a:rPr lang="en-US" sz="5400" spc="56" dirty="0" err="1" smtClean="0">
+              <a:rPr lang="en-US" sz="5400" spc="56" dirty="0" err="1">
                 <a:solidFill>
                   <a:srgbClr val="FFFFFF"/>
                 </a:solidFill>
@@ -3597,410 +3522,13 @@
               <a:t> </a:t>
             </a:r>
             <a:r>
-              <a:rPr lang="en-US" sz="1600" spc="56" dirty="0" smtClean="0">
-                <a:solidFill>
-                  <a:srgbClr val="FFFFFF"/>
-                </a:solidFill>
-                <a:latin typeface="Montserrat Classic Bold"/>
-              </a:rPr>
-              <a:t>https</a:t>
-            </a:r>
-            <a:r>
               <a:rPr lang="en-US" sz="1600" spc="56" dirty="0">
                 <a:solidFill>
                   <a:srgbClr val="FFFFFF"/>
                 </a:solidFill>
                 <a:latin typeface="Montserrat Classic Bold"/>
               </a:rPr>
-              <a:t>://fastapi.tiangolo.com</a:t>
-            </a:r>
-            <a:r>
-              <a:rPr lang="en-US" sz="1600" spc="56" dirty="0" smtClean="0">
-                <a:solidFill>
-                  <a:srgbClr val="FFFFFF"/>
-                </a:solidFill>
-                <a:latin typeface="Montserrat Classic Bold"/>
-              </a:rPr>
-              <a:t>/</a:t>
-            </a:r>
-          </a:p>
-          <a:p>
-            <a:pPr>
-              <a:spcBef>
-                <a:spcPct val="0"/>
-              </a:spcBef>
-            </a:pPr>
-            <a:endParaRPr lang="en-US" sz="2400" spc="56" dirty="0" smtClean="0">
-              <a:solidFill>
-                <a:srgbClr val="FFFFFF"/>
-              </a:solidFill>
-              <a:latin typeface="Montserrat Classic Bold"/>
-            </a:endParaRPr>
-          </a:p>
-          <a:p>
-            <a:pPr>
-              <a:spcBef>
-                <a:spcPct val="0"/>
-              </a:spcBef>
-            </a:pPr>
-            <a:r>
-              <a:rPr lang="en-US" sz="2400" spc="56" dirty="0" err="1" smtClean="0">
-                <a:solidFill>
-                  <a:srgbClr val="FFFFFF"/>
-                </a:solidFill>
-                <a:latin typeface="Montserrat Classic Bold"/>
-              </a:rPr>
-              <a:t>Veloce</a:t>
-            </a:r>
-            <a:r>
-              <a:rPr lang="en-US" sz="2400" spc="56" dirty="0" smtClean="0">
-                <a:solidFill>
-                  <a:srgbClr val="FFFFFF"/>
-                </a:solidFill>
-                <a:latin typeface="Montserrat Classic Bold"/>
-              </a:rPr>
-              <a:t> in </a:t>
-            </a:r>
-            <a:r>
-              <a:rPr lang="en-US" sz="2400" spc="56" dirty="0" err="1" smtClean="0">
-                <a:solidFill>
-                  <a:srgbClr val="FFFFFF"/>
-                </a:solidFill>
-                <a:latin typeface="Montserrat Classic Bold"/>
-              </a:rPr>
-              <a:t>esecuzione</a:t>
-            </a:r>
-            <a:r>
-              <a:rPr lang="en-US" sz="2400" spc="56" dirty="0" smtClean="0">
-                <a:solidFill>
-                  <a:srgbClr val="FFFFFF"/>
-                </a:solidFill>
-                <a:latin typeface="Montserrat Classic Bold"/>
-              </a:rPr>
-              <a:t>: </a:t>
-            </a:r>
-            <a:r>
-              <a:rPr lang="en-US" sz="2400" spc="56" dirty="0" err="1" smtClean="0">
-                <a:solidFill>
-                  <a:srgbClr val="FFFFFF"/>
-                </a:solidFill>
-                <a:latin typeface="Montserrat Classic Bold"/>
-              </a:rPr>
-              <a:t>alla</a:t>
-            </a:r>
-            <a:r>
-              <a:rPr lang="en-US" sz="2400" spc="56" dirty="0" smtClean="0">
-                <a:solidFill>
-                  <a:srgbClr val="FFFFFF"/>
-                </a:solidFill>
-                <a:latin typeface="Montserrat Classic Bold"/>
-              </a:rPr>
-              <a:t> </a:t>
-            </a:r>
-            <a:r>
-              <a:rPr lang="en-US" sz="2400" spc="56" dirty="0" err="1" smtClean="0">
-                <a:solidFill>
-                  <a:srgbClr val="FFFFFF"/>
-                </a:solidFill>
-                <a:latin typeface="Montserrat Classic Bold"/>
-              </a:rPr>
-              <a:t>pari</a:t>
-            </a:r>
-            <a:r>
-              <a:rPr lang="en-US" sz="2400" spc="56" dirty="0" smtClean="0">
-                <a:solidFill>
-                  <a:srgbClr val="FFFFFF"/>
-                </a:solidFill>
-                <a:latin typeface="Montserrat Classic Bold"/>
-              </a:rPr>
-              <a:t> di </a:t>
-            </a:r>
-            <a:r>
-              <a:rPr lang="en-US" sz="2400" spc="56" dirty="0" err="1" smtClean="0">
-                <a:solidFill>
-                  <a:srgbClr val="FFFFFF"/>
-                </a:solidFill>
-                <a:latin typeface="Montserrat Classic Bold"/>
-              </a:rPr>
-              <a:t>NodeJS</a:t>
-            </a:r>
-            <a:r>
-              <a:rPr lang="en-US" sz="2400" spc="56" dirty="0" smtClean="0">
-                <a:solidFill>
-                  <a:srgbClr val="FFFFFF"/>
-                </a:solidFill>
-                <a:latin typeface="Montserrat Classic Bold"/>
-              </a:rPr>
-              <a:t>/Go, </a:t>
-            </a:r>
-            <a:r>
-              <a:rPr lang="en-US" sz="2400" spc="56" dirty="0" err="1" smtClean="0">
-                <a:solidFill>
-                  <a:srgbClr val="FFFFFF"/>
-                </a:solidFill>
-                <a:latin typeface="Montserrat Classic Bold"/>
-              </a:rPr>
-              <a:t>usa</a:t>
-            </a:r>
-            <a:r>
-              <a:rPr lang="en-US" sz="2400" spc="56" dirty="0" smtClean="0">
-                <a:solidFill>
-                  <a:srgbClr val="FFFFFF"/>
-                </a:solidFill>
-                <a:latin typeface="Montserrat Classic Bold"/>
-              </a:rPr>
-              <a:t> </a:t>
-            </a:r>
-            <a:r>
-              <a:rPr lang="en-US" sz="2400" spc="56" dirty="0" err="1" smtClean="0">
-                <a:solidFill>
-                  <a:srgbClr val="FFFFFF"/>
-                </a:solidFill>
-                <a:latin typeface="Montserrat Classic Bold"/>
-              </a:rPr>
-              <a:t>Starlette</a:t>
-            </a:r>
-            <a:r>
-              <a:rPr lang="en-US" sz="2400" spc="56" dirty="0" smtClean="0">
-                <a:solidFill>
-                  <a:srgbClr val="FFFFFF"/>
-                </a:solidFill>
-                <a:latin typeface="Montserrat Classic Bold"/>
-              </a:rPr>
-              <a:t> e </a:t>
-            </a:r>
-            <a:r>
-              <a:rPr lang="en-US" sz="2400" spc="56" dirty="0" err="1" smtClean="0">
-                <a:solidFill>
-                  <a:srgbClr val="FFFFFF"/>
-                </a:solidFill>
-                <a:latin typeface="Montserrat Classic Bold"/>
-              </a:rPr>
-              <a:t>Pydantic</a:t>
-            </a:r>
-            <a:endParaRPr lang="en-US" sz="2400" spc="56" dirty="0" smtClean="0">
-              <a:solidFill>
-                <a:srgbClr val="FFFFFF"/>
-              </a:solidFill>
-              <a:latin typeface="Montserrat Classic Bold"/>
-            </a:endParaRPr>
-          </a:p>
-          <a:p>
-            <a:pPr>
-              <a:spcBef>
-                <a:spcPct val="0"/>
-              </a:spcBef>
-            </a:pPr>
-            <a:endParaRPr lang="en-US" sz="2400" spc="56" dirty="0" smtClean="0">
-              <a:solidFill>
-                <a:srgbClr val="FFFFFF"/>
-              </a:solidFill>
-              <a:latin typeface="Montserrat Classic Bold"/>
-            </a:endParaRPr>
-          </a:p>
-          <a:p>
-            <a:pPr>
-              <a:spcBef>
-                <a:spcPct val="0"/>
-              </a:spcBef>
-            </a:pPr>
-            <a:r>
-              <a:rPr lang="en-US" sz="2400" spc="56" dirty="0" err="1" smtClean="0">
-                <a:solidFill>
-                  <a:srgbClr val="FFFFFF"/>
-                </a:solidFill>
-                <a:latin typeface="Montserrat Classic Bold"/>
-              </a:rPr>
-              <a:t>Veloce</a:t>
-            </a:r>
-            <a:r>
-              <a:rPr lang="en-US" sz="2400" spc="56" dirty="0" smtClean="0">
-                <a:solidFill>
-                  <a:srgbClr val="FFFFFF"/>
-                </a:solidFill>
-                <a:latin typeface="Montserrat Classic Bold"/>
-              </a:rPr>
-              <a:t> </a:t>
-            </a:r>
-            <a:r>
-              <a:rPr lang="en-US" sz="2400" spc="56" dirty="0" err="1" smtClean="0">
-                <a:solidFill>
-                  <a:srgbClr val="FFFFFF"/>
-                </a:solidFill>
-                <a:latin typeface="Montserrat Classic Bold"/>
-              </a:rPr>
-              <a:t>nello</a:t>
-            </a:r>
-            <a:r>
-              <a:rPr lang="en-US" sz="2400" spc="56" dirty="0" smtClean="0">
-                <a:solidFill>
-                  <a:srgbClr val="FFFFFF"/>
-                </a:solidFill>
-                <a:latin typeface="Montserrat Classic Bold"/>
-              </a:rPr>
-              <a:t> </a:t>
-            </a:r>
-            <a:r>
-              <a:rPr lang="en-US" sz="2400" spc="56" dirty="0" err="1" smtClean="0">
-                <a:solidFill>
-                  <a:srgbClr val="FFFFFF"/>
-                </a:solidFill>
-                <a:latin typeface="Montserrat Classic Bold"/>
-              </a:rPr>
-              <a:t>sviluppo</a:t>
-            </a:r>
-            <a:r>
-              <a:rPr lang="en-US" sz="2400" spc="56" dirty="0" smtClean="0">
-                <a:solidFill>
-                  <a:srgbClr val="FFFFFF"/>
-                </a:solidFill>
-                <a:latin typeface="Montserrat Classic Bold"/>
-              </a:rPr>
-              <a:t>: </a:t>
-            </a:r>
-            <a:r>
-              <a:rPr lang="en-US" sz="2400" spc="56" dirty="0" err="1" smtClean="0">
-                <a:solidFill>
-                  <a:srgbClr val="FFFFFF"/>
-                </a:solidFill>
-                <a:latin typeface="Montserrat Classic Bold"/>
-              </a:rPr>
-              <a:t>produttivita</a:t>
-            </a:r>
-            <a:r>
-              <a:rPr lang="en-US" sz="2400" spc="56" dirty="0" smtClean="0">
-                <a:solidFill>
-                  <a:srgbClr val="FFFFFF"/>
-                </a:solidFill>
-                <a:latin typeface="Montserrat Classic Bold"/>
-              </a:rPr>
-              <a:t>’ 2-3 volte </a:t>
-            </a:r>
-            <a:r>
-              <a:rPr lang="en-US" sz="2400" spc="56" dirty="0" err="1" smtClean="0">
-                <a:solidFill>
-                  <a:srgbClr val="FFFFFF"/>
-                </a:solidFill>
-                <a:latin typeface="Montserrat Classic Bold"/>
-              </a:rPr>
-              <a:t>superiore</a:t>
-            </a:r>
-            <a:r>
-              <a:rPr lang="en-US" sz="2400" spc="56" dirty="0" smtClean="0">
-                <a:solidFill>
-                  <a:srgbClr val="FFFFFF"/>
-                </a:solidFill>
-                <a:latin typeface="Montserrat Classic Bold"/>
-              </a:rPr>
-              <a:t> a Flask/Django; </a:t>
-            </a:r>
-            <a:r>
-              <a:rPr lang="en-US" sz="2400" spc="56" dirty="0" err="1" smtClean="0">
-                <a:solidFill>
-                  <a:srgbClr val="FFFFFF"/>
-                </a:solidFill>
-                <a:latin typeface="Montserrat Classic Bold"/>
-              </a:rPr>
-              <a:t>validazione</a:t>
-            </a:r>
-            <a:r>
-              <a:rPr lang="en-US" sz="2400" spc="56" dirty="0" smtClean="0">
-                <a:solidFill>
-                  <a:srgbClr val="FFFFFF"/>
-                </a:solidFill>
-                <a:latin typeface="Montserrat Classic Bold"/>
-              </a:rPr>
-              <a:t> </a:t>
-            </a:r>
-            <a:r>
-              <a:rPr lang="en-US" sz="2400" spc="56" dirty="0" err="1" smtClean="0">
-                <a:solidFill>
-                  <a:srgbClr val="FFFFFF"/>
-                </a:solidFill>
-                <a:latin typeface="Montserrat Classic Bold"/>
-              </a:rPr>
-              <a:t>automatica</a:t>
-            </a:r>
-            <a:r>
-              <a:rPr lang="en-US" sz="2400" spc="56" dirty="0" smtClean="0">
-                <a:solidFill>
-                  <a:srgbClr val="FFFFFF"/>
-                </a:solidFill>
-                <a:latin typeface="Montserrat Classic Bold"/>
-              </a:rPr>
-              <a:t> </a:t>
-            </a:r>
-            <a:r>
-              <a:rPr lang="en-US" sz="2400" spc="56" dirty="0" err="1" smtClean="0">
-                <a:solidFill>
-                  <a:srgbClr val="FFFFFF"/>
-                </a:solidFill>
-                <a:latin typeface="Montserrat Classic Bold"/>
-              </a:rPr>
-              <a:t>dei</a:t>
-            </a:r>
-            <a:r>
-              <a:rPr lang="en-US" sz="2400" spc="56" dirty="0" smtClean="0">
-                <a:solidFill>
-                  <a:srgbClr val="FFFFFF"/>
-                </a:solidFill>
-                <a:latin typeface="Montserrat Classic Bold"/>
-              </a:rPr>
-              <a:t> </a:t>
-            </a:r>
-            <a:r>
-              <a:rPr lang="en-US" sz="2400" spc="56" dirty="0" err="1" smtClean="0">
-                <a:solidFill>
-                  <a:srgbClr val="FFFFFF"/>
-                </a:solidFill>
-                <a:latin typeface="Montserrat Classic Bold"/>
-              </a:rPr>
-              <a:t>dati</a:t>
-            </a:r>
-            <a:r>
-              <a:rPr lang="en-US" sz="2400" spc="56" dirty="0" smtClean="0">
-                <a:solidFill>
-                  <a:srgbClr val="FFFFFF"/>
-                </a:solidFill>
-                <a:latin typeface="Montserrat Classic Bold"/>
-              </a:rPr>
-              <a:t>, </a:t>
-            </a:r>
-            <a:r>
-              <a:rPr lang="en-US" sz="2400" spc="56" dirty="0" err="1" smtClean="0">
-                <a:solidFill>
-                  <a:srgbClr val="FFFFFF"/>
-                </a:solidFill>
-                <a:latin typeface="Montserrat Classic Bold"/>
-              </a:rPr>
-              <a:t>documentazione</a:t>
-            </a:r>
-            <a:r>
-              <a:rPr lang="en-US" sz="2400" spc="56" dirty="0" smtClean="0">
-                <a:solidFill>
-                  <a:srgbClr val="FFFFFF"/>
-                </a:solidFill>
-                <a:latin typeface="Montserrat Classic Bold"/>
-              </a:rPr>
-              <a:t> “</a:t>
-            </a:r>
-            <a:r>
-              <a:rPr lang="en-US" sz="2400" spc="56" dirty="0" err="1" smtClean="0">
-                <a:solidFill>
-                  <a:srgbClr val="FFFFFF"/>
-                </a:solidFill>
-                <a:latin typeface="Montserrat Classic Bold"/>
-              </a:rPr>
-              <a:t>automatica</a:t>
-            </a:r>
-            <a:r>
-              <a:rPr lang="en-US" sz="2400" spc="56" dirty="0" smtClean="0">
-                <a:solidFill>
-                  <a:srgbClr val="FFFFFF"/>
-                </a:solidFill>
-                <a:latin typeface="Montserrat Classic Bold"/>
-              </a:rPr>
-              <a:t>”</a:t>
+              <a:t>https://fastapi.tiangolo.com/</a:t>
             </a:r>
           </a:p>
           <a:p>
@@ -4023,16 +3551,52 @@
               </a:spcBef>
             </a:pPr>
             <a:r>
-              <a:rPr lang="en-US" sz="2400" spc="56" dirty="0" err="1" smtClean="0">
-                <a:solidFill>
-                  <a:srgbClr val="FFFFFF"/>
-                </a:solidFill>
-                <a:latin typeface="Montserrat Classic Bold"/>
-              </a:rPr>
-              <a:t>Basata</a:t>
-            </a:r>
-            <a:r>
-              <a:rPr lang="en-US" sz="2400" spc="56" dirty="0" smtClean="0">
+              <a:rPr lang="en-US" sz="2400" spc="56" dirty="0" err="1">
+                <a:solidFill>
+                  <a:srgbClr val="FFFFFF"/>
+                </a:solidFill>
+                <a:latin typeface="Montserrat Classic Bold"/>
+              </a:rPr>
+              <a:t>Veloce</a:t>
+            </a:r>
+            <a:r>
+              <a:rPr lang="en-US" sz="2400" spc="56" dirty="0">
+                <a:solidFill>
+                  <a:srgbClr val="FFFFFF"/>
+                </a:solidFill>
+                <a:latin typeface="Montserrat Classic Bold"/>
+              </a:rPr>
+              <a:t> in </a:t>
+            </a:r>
+            <a:r>
+              <a:rPr lang="en-US" sz="2400" spc="56" dirty="0" err="1">
+                <a:solidFill>
+                  <a:srgbClr val="FFFFFF"/>
+                </a:solidFill>
+                <a:latin typeface="Montserrat Classic Bold"/>
+              </a:rPr>
+              <a:t>esecuzione</a:t>
+            </a:r>
+            <a:r>
+              <a:rPr lang="en-US" sz="2400" spc="56" dirty="0">
+                <a:solidFill>
+                  <a:srgbClr val="FFFFFF"/>
+                </a:solidFill>
+                <a:latin typeface="Montserrat Classic Bold"/>
+              </a:rPr>
+              <a:t>: </a:t>
+            </a:r>
+            <a:r>
+              <a:rPr lang="en-US" sz="2400" spc="56" dirty="0" err="1">
+                <a:solidFill>
+                  <a:srgbClr val="FFFFFF"/>
+                </a:solidFill>
+                <a:latin typeface="Montserrat Classic Bold"/>
+              </a:rPr>
+              <a:t>alla</a:t>
+            </a:r>
+            <a:r>
+              <a:rPr lang="en-US" sz="2400" spc="56" dirty="0">
                 <a:solidFill>
                   <a:srgbClr val="FFFFFF"/>
                 </a:solidFill>
@@ -4041,23 +3605,74 @@
               <a:t> </a:t>
             </a:r>
             <a:r>
-              <a:rPr lang="en-US" sz="2400" spc="56" dirty="0" err="1" smtClean="0">
-                <a:solidFill>
-                  <a:srgbClr val="FFFFFF"/>
-                </a:solidFill>
-                <a:latin typeface="Montserrat Classic Bold"/>
-              </a:rPr>
-              <a:t>su</a:t>
-            </a:r>
-            <a:r>
-              <a:rPr lang="en-US" sz="2400" spc="56" dirty="0" smtClean="0">
-                <a:solidFill>
-                  <a:srgbClr val="FFFFFF"/>
-                </a:solidFill>
-                <a:latin typeface="Montserrat Classic Bold"/>
-              </a:rPr>
-              <a:t> standards open: JSON schema / Open API</a:t>
-            </a:r>
+              <a:rPr lang="en-US" sz="2400" spc="56" dirty="0" err="1">
+                <a:solidFill>
+                  <a:srgbClr val="FFFFFF"/>
+                </a:solidFill>
+                <a:latin typeface="Montserrat Classic Bold"/>
+              </a:rPr>
+              <a:t>pari</a:t>
+            </a:r>
+            <a:r>
+              <a:rPr lang="en-US" sz="2400" spc="56" dirty="0">
+                <a:solidFill>
+                  <a:srgbClr val="FFFFFF"/>
+                </a:solidFill>
+                <a:latin typeface="Montserrat Classic Bold"/>
+              </a:rPr>
+              <a:t> di NodeJS/Go, </a:t>
+            </a:r>
+            <a:r>
+              <a:rPr lang="en-US" sz="2400" spc="56" dirty="0" err="1">
+                <a:solidFill>
+                  <a:srgbClr val="FFFFFF"/>
+                </a:solidFill>
+                <a:latin typeface="Montserrat Classic Bold"/>
+              </a:rPr>
+              <a:t>usa</a:t>
+            </a:r>
+            <a:r>
+              <a:rPr lang="en-US" sz="2400" spc="56" dirty="0">
+                <a:solidFill>
+                  <a:srgbClr val="FFFFFF"/>
+                </a:solidFill>
+                <a:latin typeface="Montserrat Classic Bold"/>
+              </a:rPr>
+              <a:t> </a:t>
+            </a:r>
+            <a:r>
+              <a:rPr lang="en-US" sz="2400" spc="56" dirty="0" err="1">
+                <a:solidFill>
+                  <a:srgbClr val="FFFFFF"/>
+                </a:solidFill>
+                <a:latin typeface="Montserrat Classic Bold"/>
+              </a:rPr>
+              <a:t>Starlette</a:t>
+            </a:r>
+            <a:r>
+              <a:rPr lang="en-US" sz="2400" spc="56" dirty="0">
+                <a:solidFill>
+                  <a:srgbClr val="FFFFFF"/>
+                </a:solidFill>
+                <a:latin typeface="Montserrat Classic Bold"/>
+              </a:rPr>
+              <a:t> e </a:t>
+            </a:r>
+            <a:r>
+              <a:rPr lang="en-US" sz="2400" spc="56" dirty="0" err="1">
+                <a:solidFill>
+                  <a:srgbClr val="FFFFFF"/>
+                </a:solidFill>
+                <a:latin typeface="Montserrat Classic Bold"/>
+              </a:rPr>
+              <a:t>Pydantic</a:t>
+            </a:r>
+            <a:endParaRPr lang="en-US" sz="2400" spc="56" dirty="0">
+              <a:solidFill>
+                <a:srgbClr val="FFFFFF"/>
+              </a:solidFill>
+              <a:latin typeface="Montserrat Classic Bold"/>
+            </a:endParaRPr>
           </a:p>
           <a:p>
             <a:pPr>
@@ -4065,46 +3680,22 @@
                 <a:spcPct val="0"/>
               </a:spcBef>
             </a:pPr>
-            <a:endParaRPr lang="en-US" sz="2400" spc="56" dirty="0" smtClean="0">
+            <a:r>
+              <a:rPr lang="en-US" sz="2400" spc="56" dirty="0">
+                <a:solidFill>
+                  <a:srgbClr val="FFFFFF"/>
+                </a:solidFill>
+                <a:latin typeface="Montserrat Classic Bold"/>
+                <a:hlinkClick r:id="rId4"/>
+              </a:rPr>
+              <a:t>https://web-frameworks-benchmark.netlify.app/compare?f=fastapi,express,laravel-s-laravel,flask</a:t>
+            </a:r>
+            <a:endParaRPr lang="en-US" sz="2400" spc="56" dirty="0">
               <a:solidFill>
                 <a:srgbClr val="FFFFFF"/>
               </a:solidFill>
               <a:latin typeface="Montserrat Classic Bold"/>
             </a:endParaRPr>
-          </a:p>
-          <a:p>
-            <a:pPr>
-              <a:spcBef>
-                <a:spcPct val="0"/>
-              </a:spcBef>
-            </a:pPr>
-            <a:r>
-              <a:rPr lang="en-US" sz="2400" spc="56" dirty="0" err="1" smtClean="0">
-                <a:solidFill>
-                  <a:srgbClr val="FFFFFF"/>
-                </a:solidFill>
-                <a:latin typeface="Montserrat Classic Bold"/>
-              </a:rPr>
-              <a:t>Meno</a:t>
-            </a:r>
-            <a:r>
-              <a:rPr lang="en-US" sz="2400" spc="56" dirty="0" smtClean="0">
-                <a:solidFill>
-                  <a:srgbClr val="FFFFFF"/>
-                </a:solidFill>
-                <a:latin typeface="Montserrat Classic Bold"/>
-              </a:rPr>
-              <a:t> </a:t>
-            </a:r>
-            <a:r>
-              <a:rPr lang="en-US" sz="2400" spc="56" dirty="0" smtClean="0">
-                <a:solidFill>
-                  <a:srgbClr val="FFFFFF"/>
-                </a:solidFill>
-                <a:latin typeface="Montserrat Classic Bold"/>
-              </a:rPr>
-              <a:t>bugs</a:t>
-            </a:r>
           </a:p>
           <a:p>
             <a:pPr>
@@ -4126,38 +3717,203 @@
               </a:spcBef>
             </a:pPr>
             <a:r>
-              <a:rPr lang="en-US" sz="2400" spc="56" dirty="0" err="1" smtClean="0">
-                <a:solidFill>
-                  <a:srgbClr val="FFFFFF"/>
-                </a:solidFill>
-                <a:latin typeface="Montserrat Classic Bold"/>
-              </a:rPr>
-              <a:t>Intuitivo</a:t>
-            </a:r>
-            <a:r>
-              <a:rPr lang="en-US" sz="2400" spc="56" dirty="0" smtClean="0">
-                <a:solidFill>
-                  <a:srgbClr val="FFFFFF"/>
-                </a:solidFill>
-                <a:latin typeface="Montserrat Classic Bold"/>
-              </a:rPr>
-              <a:t> e facile da </a:t>
-            </a:r>
-            <a:r>
-              <a:rPr lang="en-US" sz="2400" spc="56" dirty="0" err="1" smtClean="0">
-                <a:solidFill>
-                  <a:srgbClr val="FFFFFF"/>
-                </a:solidFill>
-                <a:latin typeface="Montserrat Classic Bold"/>
-              </a:rPr>
-              <a:t>imparare</a:t>
-            </a:r>
-            <a:endParaRPr lang="en-US" sz="2400" spc="56" dirty="0" smtClean="0">
-              <a:solidFill>
-                <a:srgbClr val="FFFFFF"/>
-              </a:solidFill>
-              <a:latin typeface="Montserrat Classic Bold"/>
-            </a:endParaRPr>
+              <a:rPr lang="en-US" sz="2400" spc="56" dirty="0" err="1">
+                <a:solidFill>
+                  <a:srgbClr val="FFFFFF"/>
+                </a:solidFill>
+                <a:latin typeface="Montserrat Classic Bold"/>
+              </a:rPr>
+              <a:t>Veloce</a:t>
+            </a:r>
+            <a:r>
+              <a:rPr lang="en-US" sz="2400" spc="56" dirty="0">
+                <a:solidFill>
+                  <a:srgbClr val="FFFFFF"/>
+                </a:solidFill>
+                <a:latin typeface="Montserrat Classic Bold"/>
+              </a:rPr>
+              <a:t> </a:t>
+            </a:r>
+            <a:r>
+              <a:rPr lang="en-US" sz="2400" spc="56" dirty="0" err="1">
+                <a:solidFill>
+                  <a:srgbClr val="FFFFFF"/>
+                </a:solidFill>
+                <a:latin typeface="Montserrat Classic Bold"/>
+              </a:rPr>
+              <a:t>nello</a:t>
+            </a:r>
+            <a:r>
+              <a:rPr lang="en-US" sz="2400" spc="56" dirty="0">
+                <a:solidFill>
+                  <a:srgbClr val="FFFFFF"/>
+                </a:solidFill>
+                <a:latin typeface="Montserrat Classic Bold"/>
+              </a:rPr>
+              <a:t> </a:t>
+            </a:r>
+            <a:r>
+              <a:rPr lang="en-US" sz="2400" spc="56" dirty="0" err="1">
+                <a:solidFill>
+                  <a:srgbClr val="FFFFFF"/>
+                </a:solidFill>
+                <a:latin typeface="Montserrat Classic Bold"/>
+              </a:rPr>
+              <a:t>sviluppo</a:t>
+            </a:r>
+            <a:r>
+              <a:rPr lang="en-US" sz="2400" spc="56" dirty="0">
+                <a:solidFill>
+                  <a:srgbClr val="FFFFFF"/>
+                </a:solidFill>
+                <a:latin typeface="Montserrat Classic Bold"/>
+              </a:rPr>
+              <a:t>: </a:t>
+            </a:r>
+            <a:r>
+              <a:rPr lang="en-US" sz="2400" spc="56" dirty="0" err="1">
+                <a:solidFill>
+                  <a:srgbClr val="FFFFFF"/>
+                </a:solidFill>
+                <a:latin typeface="Montserrat Classic Bold"/>
+              </a:rPr>
+              <a:t>produttivita</a:t>
+            </a:r>
+            <a:r>
+              <a:rPr lang="en-US" sz="2400" spc="56" dirty="0">
+                <a:solidFill>
+                  <a:srgbClr val="FFFFFF"/>
+                </a:solidFill>
+                <a:latin typeface="Montserrat Classic Bold"/>
+              </a:rPr>
+              <a:t>’ 2-3 volte </a:t>
+            </a:r>
+            <a:r>
+              <a:rPr lang="en-US" sz="2400" spc="56" dirty="0" err="1">
+                <a:solidFill>
+                  <a:srgbClr val="FFFFFF"/>
+                </a:solidFill>
+                <a:latin typeface="Montserrat Classic Bold"/>
+              </a:rPr>
+              <a:t>superiore</a:t>
+            </a:r>
+            <a:r>
+              <a:rPr lang="en-US" sz="2400" spc="56" dirty="0">
+                <a:solidFill>
+                  <a:srgbClr val="FFFFFF"/>
+                </a:solidFill>
+                <a:latin typeface="Montserrat Classic Bold"/>
+              </a:rPr>
+              <a:t> a Flask/Django; </a:t>
+            </a:r>
+            <a:r>
+              <a:rPr lang="en-US" sz="2400" spc="56" dirty="0" err="1">
+                <a:solidFill>
+                  <a:srgbClr val="FFFFFF"/>
+                </a:solidFill>
+                <a:latin typeface="Montserrat Classic Bold"/>
+              </a:rPr>
+              <a:t>validazione</a:t>
+            </a:r>
+            <a:r>
+              <a:rPr lang="en-US" sz="2400" spc="56" dirty="0">
+                <a:solidFill>
+                  <a:srgbClr val="FFFFFF"/>
+                </a:solidFill>
+                <a:latin typeface="Montserrat Classic Bold"/>
+              </a:rPr>
+              <a:t> </a:t>
+            </a:r>
+            <a:r>
+              <a:rPr lang="en-US" sz="2400" spc="56" dirty="0" err="1">
+                <a:solidFill>
+                  <a:srgbClr val="FFFFFF"/>
+                </a:solidFill>
+                <a:latin typeface="Montserrat Classic Bold"/>
+              </a:rPr>
+              <a:t>automatica</a:t>
+            </a:r>
+            <a:r>
+              <a:rPr lang="en-US" sz="2400" spc="56" dirty="0">
+                <a:solidFill>
+                  <a:srgbClr val="FFFFFF"/>
+                </a:solidFill>
+                <a:latin typeface="Montserrat Classic Bold"/>
+              </a:rPr>
+              <a:t> </a:t>
+            </a:r>
+            <a:r>
+              <a:rPr lang="en-US" sz="2400" spc="56" dirty="0" err="1">
+                <a:solidFill>
+                  <a:srgbClr val="FFFFFF"/>
+                </a:solidFill>
+                <a:latin typeface="Montserrat Classic Bold"/>
+              </a:rPr>
+              <a:t>dei</a:t>
+            </a:r>
+            <a:r>
+              <a:rPr lang="en-US" sz="2400" spc="56" dirty="0">
+                <a:solidFill>
+                  <a:srgbClr val="FFFFFF"/>
+                </a:solidFill>
+                <a:latin typeface="Montserrat Classic Bold"/>
+              </a:rPr>
+              <a:t> </a:t>
+            </a:r>
+            <a:r>
+              <a:rPr lang="en-US" sz="2400" spc="56" dirty="0" err="1">
+                <a:solidFill>
+                  <a:srgbClr val="FFFFFF"/>
+                </a:solidFill>
+                <a:latin typeface="Montserrat Classic Bold"/>
+              </a:rPr>
+              <a:t>dati</a:t>
+            </a:r>
+            <a:r>
+              <a:rPr lang="en-US" sz="2400" spc="56" dirty="0">
+                <a:solidFill>
+                  <a:srgbClr val="FFFFFF"/>
+                </a:solidFill>
+                <a:latin typeface="Montserrat Classic Bold"/>
+              </a:rPr>
+              <a:t>, </a:t>
+            </a:r>
+            <a:r>
+              <a:rPr lang="en-US" sz="2400" spc="56" dirty="0" err="1">
+                <a:solidFill>
+                  <a:srgbClr val="FFFFFF"/>
+                </a:solidFill>
+                <a:latin typeface="Montserrat Classic Bold"/>
+              </a:rPr>
+              <a:t>documentazione</a:t>
+            </a:r>
+            <a:r>
+              <a:rPr lang="en-US" sz="2400" spc="56" dirty="0">
+                <a:solidFill>
+                  <a:srgbClr val="FFFFFF"/>
+                </a:solidFill>
+                <a:latin typeface="Montserrat Classic Bold"/>
+              </a:rPr>
+              <a:t> “</a:t>
+            </a:r>
+            <a:r>
+              <a:rPr lang="en-US" sz="2400" spc="56" dirty="0" err="1">
+                <a:solidFill>
+                  <a:srgbClr val="FFFFFF"/>
+                </a:solidFill>
+                <a:latin typeface="Montserrat Classic Bold"/>
+              </a:rPr>
+              <a:t>automatica</a:t>
+            </a:r>
+            <a:r>
+              <a:rPr lang="en-US" sz="2400" spc="56" dirty="0">
+                <a:solidFill>
+                  <a:srgbClr val="FFFFFF"/>
+                </a:solidFill>
+                <a:latin typeface="Montserrat Classic Bold"/>
+              </a:rPr>
+              <a:t>”</a:t>
+            </a:r>
           </a:p>
           <a:p>
             <a:pPr>
@@ -4179,34 +3935,16 @@
               </a:spcBef>
             </a:pPr>
             <a:r>
-              <a:rPr lang="en-US" sz="2400" spc="56" dirty="0" err="1" smtClean="0">
-                <a:solidFill>
-                  <a:srgbClr val="FFFFFF"/>
-                </a:solidFill>
-                <a:latin typeface="Montserrat Classic Bold"/>
-              </a:rPr>
-              <a:t>Sintetico</a:t>
-            </a:r>
-            <a:r>
-              <a:rPr lang="en-US" sz="2400" spc="56" dirty="0" smtClean="0">
-                <a:solidFill>
-                  <a:srgbClr val="FFFFFF"/>
-                </a:solidFill>
-                <a:latin typeface="Montserrat Classic Bold"/>
-              </a:rPr>
-              <a:t>: </a:t>
-            </a:r>
-            <a:r>
-              <a:rPr lang="en-US" sz="2400" spc="56" dirty="0" err="1" smtClean="0">
-                <a:solidFill>
-                  <a:srgbClr val="FFFFFF"/>
-                </a:solidFill>
-                <a:latin typeface="Montserrat Classic Bold"/>
-              </a:rPr>
-              <a:t>meno</a:t>
-            </a:r>
-            <a:r>
-              <a:rPr lang="en-US" sz="2400" spc="56" dirty="0" smtClean="0">
+              <a:rPr lang="en-US" sz="2400" spc="56" dirty="0" err="1">
+                <a:solidFill>
+                  <a:srgbClr val="FFFFFF"/>
+                </a:solidFill>
+                <a:latin typeface="Montserrat Classic Bold"/>
+              </a:rPr>
+              <a:t>Basata</a:t>
+            </a:r>
+            <a:r>
+              <a:rPr lang="en-US" sz="2400" spc="56" dirty="0">
                 <a:solidFill>
                   <a:srgbClr val="FFFFFF"/>
                 </a:solidFill>
@@ -4215,20 +3953,23 @@
               <a:t> </a:t>
             </a:r>
             <a:r>
-              <a:rPr lang="en-US" sz="2400" spc="56" dirty="0" err="1" smtClean="0">
-                <a:solidFill>
-                  <a:srgbClr val="FFFFFF"/>
-                </a:solidFill>
-                <a:latin typeface="Montserrat Classic Bold"/>
-              </a:rPr>
-              <a:t>codice</a:t>
-            </a:r>
-            <a:endParaRPr lang="en-US" sz="2400" spc="56" dirty="0" smtClean="0">
-              <a:solidFill>
-                <a:srgbClr val="FFFFFF"/>
-              </a:solidFill>
-              <a:latin typeface="Montserrat Classic Bold"/>
-            </a:endParaRPr>
+              <a:rPr lang="en-US" sz="2400" spc="56" dirty="0" err="1">
+                <a:solidFill>
+                  <a:srgbClr val="FFFFFF"/>
+                </a:solidFill>
+                <a:latin typeface="Montserrat Classic Bold"/>
+              </a:rPr>
+              <a:t>su</a:t>
+            </a:r>
+            <a:r>
+              <a:rPr lang="en-US" sz="2400" spc="56" dirty="0">
+                <a:solidFill>
+                  <a:srgbClr val="FFFFFF"/>
+                </a:solidFill>
+                <a:latin typeface="Montserrat Classic Bold"/>
+              </a:rPr>
+              <a:t> standards open: JSON schema / Open API</a:t>
+            </a:r>
           </a:p>
           <a:p>
             <a:pPr>
@@ -4250,51 +3991,31 @@
               </a:spcBef>
             </a:pPr>
             <a:r>
-              <a:rPr lang="en-US" sz="2400" spc="56" dirty="0" err="1" smtClean="0">
-                <a:solidFill>
-                  <a:srgbClr val="FFFFFF"/>
-                </a:solidFill>
-                <a:latin typeface="Montserrat Classic Bold"/>
-              </a:rPr>
-              <a:t>Documentazione</a:t>
-            </a:r>
-            <a:r>
-              <a:rPr lang="en-US" sz="2400" spc="56" dirty="0" smtClean="0">
-                <a:solidFill>
-                  <a:srgbClr val="FFFFFF"/>
-                </a:solidFill>
-                <a:latin typeface="Montserrat Classic Bold"/>
-              </a:rPr>
-              <a:t> standard</a:t>
-            </a:r>
-            <a:r>
-              <a:rPr lang="en-US" sz="2400" spc="56" dirty="0" smtClean="0">
-                <a:solidFill>
-                  <a:srgbClr val="FFFFFF"/>
-                </a:solidFill>
-                <a:latin typeface="Montserrat Classic Bold"/>
-              </a:rPr>
-              <a:t>: API con </a:t>
-            </a:r>
-            <a:r>
-              <a:rPr lang="en-US" sz="2400" spc="56" dirty="0" smtClean="0">
-                <a:solidFill>
-                  <a:srgbClr val="FFFFFF"/>
-                </a:solidFill>
-                <a:latin typeface="Montserrat Classic Bold"/>
-              </a:rPr>
-              <a:t>Swagger/</a:t>
-            </a:r>
-            <a:r>
-              <a:rPr lang="en-US" sz="2400" spc="56" dirty="0" err="1" smtClean="0">
-                <a:solidFill>
-                  <a:srgbClr val="FFFFFF"/>
-                </a:solidFill>
-                <a:latin typeface="Montserrat Classic Bold"/>
-              </a:rPr>
-              <a:t>Redocs</a:t>
-            </a:r>
-            <a:endParaRPr lang="en-US" sz="2400" spc="56" dirty="0" smtClean="0">
+              <a:rPr lang="en-US" sz="2400" spc="56" dirty="0" err="1">
+                <a:solidFill>
+                  <a:srgbClr val="FFFFFF"/>
+                </a:solidFill>
+                <a:latin typeface="Montserrat Classic Bold"/>
+              </a:rPr>
+              <a:t>Meno</a:t>
+            </a:r>
+            <a:r>
+              <a:rPr lang="en-US" sz="2400" spc="56" dirty="0">
+                <a:solidFill>
+                  <a:srgbClr val="FFFFFF"/>
+                </a:solidFill>
+                <a:latin typeface="Montserrat Classic Bold"/>
+              </a:rPr>
+              <a:t> bugs</a:t>
+            </a:r>
+          </a:p>
+          <a:p>
+            <a:pPr>
+              <a:spcBef>
+                <a:spcPct val="0"/>
+              </a:spcBef>
+            </a:pPr>
+            <a:endParaRPr lang="en-US" sz="2400" spc="56" dirty="0">
               <a:solidFill>
                 <a:srgbClr val="FFFFFF"/>
               </a:solidFill>
@@ -4307,7 +4028,34 @@
                 <a:spcPct val="0"/>
               </a:spcBef>
             </a:pPr>
-            <a:endParaRPr lang="en-US" sz="2400" spc="56" dirty="0" smtClean="0">
+            <a:r>
+              <a:rPr lang="en-US" sz="2400" spc="56" dirty="0" err="1">
+                <a:solidFill>
+                  <a:srgbClr val="FFFFFF"/>
+                </a:solidFill>
+                <a:latin typeface="Montserrat Classic Bold"/>
+              </a:rPr>
+              <a:t>Intuitivo</a:t>
+            </a:r>
+            <a:r>
+              <a:rPr lang="en-US" sz="2400" spc="56" dirty="0">
+                <a:solidFill>
+                  <a:srgbClr val="FFFFFF"/>
+                </a:solidFill>
+                <a:latin typeface="Montserrat Classic Bold"/>
+              </a:rPr>
+              <a:t> e facile da </a:t>
+            </a:r>
+            <a:r>
+              <a:rPr lang="en-US" sz="2400" spc="56" dirty="0" err="1">
+                <a:solidFill>
+                  <a:srgbClr val="FFFFFF"/>
+                </a:solidFill>
+                <a:latin typeface="Montserrat Classic Bold"/>
+              </a:rPr>
+              <a:t>imparare</a:t>
+            </a:r>
+            <a:endParaRPr lang="en-US" sz="2400" spc="56" dirty="0">
               <a:solidFill>
                 <a:srgbClr val="FFFFFF"/>
               </a:solidFill>
@@ -4320,8 +4068,145 @@
                 <a:spcPct val="0"/>
               </a:spcBef>
             </a:pPr>
-            <a:r>
-              <a:rPr lang="en-US" sz="2400" spc="56" dirty="0" err="1" smtClean="0">
+            <a:endParaRPr lang="en-US" sz="2400" spc="56" dirty="0">
+              <a:solidFill>
+                <a:srgbClr val="FFFFFF"/>
+              </a:solidFill>
+              <a:latin typeface="Montserrat Classic Bold"/>
+            </a:endParaRPr>
+          </a:p>
+          <a:p>
+            <a:pPr>
+              <a:spcBef>
+                <a:spcPct val="0"/>
+              </a:spcBef>
+            </a:pPr>
+            <a:r>
+              <a:rPr lang="en-US" sz="2400" spc="56" dirty="0" err="1">
+                <a:solidFill>
+                  <a:srgbClr val="FFFFFF"/>
+                </a:solidFill>
+                <a:latin typeface="Montserrat Classic Bold"/>
+              </a:rPr>
+              <a:t>Sintetico</a:t>
+            </a:r>
+            <a:r>
+              <a:rPr lang="en-US" sz="2400" spc="56" dirty="0">
+                <a:solidFill>
+                  <a:srgbClr val="FFFFFF"/>
+                </a:solidFill>
+                <a:latin typeface="Montserrat Classic Bold"/>
+              </a:rPr>
+              <a:t>: </a:t>
+            </a:r>
+            <a:r>
+              <a:rPr lang="en-US" sz="2400" spc="56" dirty="0" err="1">
+                <a:solidFill>
+                  <a:srgbClr val="FFFFFF"/>
+                </a:solidFill>
+                <a:latin typeface="Montserrat Classic Bold"/>
+              </a:rPr>
+              <a:t>meno</a:t>
+            </a:r>
+            <a:r>
+              <a:rPr lang="en-US" sz="2400" spc="56" dirty="0">
+                <a:solidFill>
+                  <a:srgbClr val="FFFFFF"/>
+                </a:solidFill>
+                <a:latin typeface="Montserrat Classic Bold"/>
+              </a:rPr>
+              <a:t> </a:t>
+            </a:r>
+            <a:r>
+              <a:rPr lang="en-US" sz="2400" spc="56" dirty="0" err="1">
+                <a:solidFill>
+                  <a:srgbClr val="FFFFFF"/>
+                </a:solidFill>
+                <a:latin typeface="Montserrat Classic Bold"/>
+              </a:rPr>
+              <a:t>codice</a:t>
+            </a:r>
+            <a:endParaRPr lang="en-US" sz="2400" spc="56" dirty="0">
+              <a:solidFill>
+                <a:srgbClr val="FFFFFF"/>
+              </a:solidFill>
+              <a:latin typeface="Montserrat Classic Bold"/>
+            </a:endParaRPr>
+          </a:p>
+          <a:p>
+            <a:pPr>
+              <a:spcBef>
+                <a:spcPct val="0"/>
+              </a:spcBef>
+            </a:pPr>
+            <a:endParaRPr lang="en-US" sz="2400" spc="56" dirty="0">
+              <a:solidFill>
+                <a:srgbClr val="FFFFFF"/>
+              </a:solidFill>
+              <a:latin typeface="Montserrat Classic Bold"/>
+            </a:endParaRPr>
+          </a:p>
+          <a:p>
+            <a:pPr>
+              <a:spcBef>
+                <a:spcPct val="0"/>
+              </a:spcBef>
+            </a:pPr>
+            <a:r>
+              <a:rPr lang="en-US" sz="2400" spc="56" dirty="0" err="1">
+                <a:solidFill>
+                  <a:srgbClr val="FFFFFF"/>
+                </a:solidFill>
+                <a:latin typeface="Montserrat Classic Bold"/>
+              </a:rPr>
+              <a:t>Documentazione</a:t>
+            </a:r>
+            <a:r>
+              <a:rPr lang="en-US" sz="2400" spc="56" dirty="0">
+                <a:solidFill>
+                  <a:srgbClr val="FFFFFF"/>
+                </a:solidFill>
+                <a:latin typeface="Montserrat Classic Bold"/>
+              </a:rPr>
+              <a:t> standard: API con Swagger/</a:t>
+            </a:r>
+            <a:r>
+              <a:rPr lang="en-US" sz="2400" spc="56" dirty="0" err="1">
+                <a:solidFill>
+                  <a:srgbClr val="FFFFFF"/>
+                </a:solidFill>
+                <a:latin typeface="Montserrat Classic Bold"/>
+              </a:rPr>
+              <a:t>Redocs</a:t>
+            </a:r>
+            <a:endParaRPr lang="en-US" sz="2400" spc="56" dirty="0">
+              <a:solidFill>
+                <a:srgbClr val="FFFFFF"/>
+              </a:solidFill>
+              <a:latin typeface="Montserrat Classic Bold"/>
+            </a:endParaRPr>
+          </a:p>
+          <a:p>
+            <a:pPr>
+              <a:spcBef>
+                <a:spcPct val="0"/>
+              </a:spcBef>
+            </a:pPr>
+            <a:endParaRPr lang="en-US" sz="2400" spc="56" dirty="0">
+              <a:solidFill>
+                <a:srgbClr val="FFFFFF"/>
+              </a:solidFill>
+              <a:latin typeface="Montserrat Classic Bold"/>
+            </a:endParaRPr>
+          </a:p>
+          <a:p>
+            <a:pPr>
+              <a:spcBef>
+                <a:spcPct val="0"/>
+              </a:spcBef>
+            </a:pPr>
+            <a:r>
+              <a:rPr lang="en-US" sz="2400" spc="56" dirty="0" err="1">
                 <a:solidFill>
                   <a:srgbClr val="FFFFFF"/>
                 </a:solidFill>
@@ -4330,7 +4215,7 @@
               <a:t>Robusto</a:t>
             </a:r>
             <a:r>
-              <a:rPr lang="en-US" sz="2400" spc="56" dirty="0" smtClean="0">
+              <a:rPr lang="en-US" sz="2400" spc="56" dirty="0">
                 <a:solidFill>
                   <a:srgbClr val="FFFFFF"/>
                 </a:solidFill>
@@ -4339,7 +4224,7 @@
               <a:t>: pronto per la </a:t>
             </a:r>
             <a:r>
-              <a:rPr lang="en-US" sz="2400" spc="56" dirty="0" err="1" smtClean="0">
+              <a:rPr lang="en-US" sz="2400" spc="56" dirty="0" err="1">
                 <a:solidFill>
                   <a:srgbClr val="FFFFFF"/>
                 </a:solidFill>
@@ -4347,7 +4232,7 @@
               </a:rPr>
               <a:t>Produzione</a:t>
             </a:r>
-            <a:endParaRPr lang="en-US" sz="2400" spc="56" dirty="0" smtClean="0">
+            <a:endParaRPr lang="en-US" sz="2400" spc="56" dirty="0">
               <a:solidFill>
                 <a:srgbClr val="FFFFFF"/>
               </a:solidFill>
@@ -4366,13 +4251,6 @@
   <p:clrMapOvr>
     <a:masterClrMapping/>
   </p:clrMapOvr>
-  <p:timing>
-    <p:tnLst>
-      <p:par>
-        <p:cTn id="1" dur="indefinite" restart="never" nodeType="tmRoot"/>
-      </p:par>
-    </p:tnLst>
-  </p:timing>
 </p:sld>
 </file>
 
@@ -4513,7 +4391,7 @@
               </a:spcBef>
             </a:pPr>
             <a:r>
-              <a:rPr lang="en-US" sz="5400" spc="56" dirty="0" smtClean="0">
+              <a:rPr lang="en-US" sz="5400" spc="56" dirty="0">
                 <a:solidFill>
                   <a:srgbClr val="FFFFFF"/>
                 </a:solidFill>
@@ -4521,115 +4399,12 @@
               </a:rPr>
               <a:t>Modern Python</a:t>
             </a:r>
-            <a:endParaRPr lang="en-US" sz="1600" spc="56" dirty="0" smtClean="0">
+            <a:endParaRPr lang="en-US" sz="1600" spc="56" dirty="0">
               <a:solidFill>
                 <a:srgbClr val="FFFFFF"/>
               </a:solidFill>
               <a:latin typeface="Montserrat Classic Bold"/>
             </a:endParaRPr>
-          </a:p>
-          <a:p>
-            <a:pPr>
-              <a:spcBef>
-                <a:spcPct val="0"/>
-              </a:spcBef>
-            </a:pPr>
-            <a:endParaRPr lang="en-US" sz="2400" spc="56" dirty="0" smtClean="0">
-              <a:solidFill>
-                <a:srgbClr val="FFFFFF"/>
-              </a:solidFill>
-              <a:latin typeface="Montserrat Classic Bold"/>
-            </a:endParaRPr>
-          </a:p>
-          <a:p>
-            <a:pPr>
-              <a:spcBef>
-                <a:spcPct val="0"/>
-              </a:spcBef>
-            </a:pPr>
-            <a:r>
-              <a:rPr lang="en-US" sz="2400" spc="56" dirty="0" smtClean="0">
-                <a:solidFill>
-                  <a:srgbClr val="FFFFFF"/>
-                </a:solidFill>
-                <a:latin typeface="Montserrat Classic Bold"/>
-              </a:rPr>
-              <a:t>Type hints: </a:t>
-            </a:r>
-            <a:r>
-              <a:rPr lang="en-US" sz="2400" spc="56" dirty="0" err="1" smtClean="0">
-                <a:solidFill>
-                  <a:srgbClr val="FFFFFF"/>
-                </a:solidFill>
-                <a:latin typeface="Montserrat Classic Bold"/>
-              </a:rPr>
-              <a:t>usati</a:t>
-            </a:r>
-            <a:r>
-              <a:rPr lang="en-US" sz="2400" spc="56" dirty="0" smtClean="0">
-                <a:solidFill>
-                  <a:srgbClr val="FFFFFF"/>
-                </a:solidFill>
-                <a:latin typeface="Montserrat Classic Bold"/>
-              </a:rPr>
-              <a:t> per conversion e doc</a:t>
-            </a:r>
-          </a:p>
-          <a:p>
-            <a:pPr>
-              <a:spcBef>
-                <a:spcPct val="0"/>
-              </a:spcBef>
-            </a:pPr>
-            <a:endParaRPr lang="en-US" sz="2400" spc="56" dirty="0" smtClean="0">
-              <a:solidFill>
-                <a:srgbClr val="FFFFFF"/>
-              </a:solidFill>
-              <a:latin typeface="Montserrat Classic Bold"/>
-            </a:endParaRPr>
-          </a:p>
-          <a:p>
-            <a:pPr>
-              <a:spcBef>
-                <a:spcPct val="0"/>
-              </a:spcBef>
-            </a:pPr>
-            <a:r>
-              <a:rPr lang="en-US" sz="2400" spc="56" dirty="0" err="1" smtClean="0">
-                <a:solidFill>
-                  <a:srgbClr val="FFFFFF"/>
-                </a:solidFill>
-                <a:latin typeface="Montserrat Classic Bold"/>
-              </a:rPr>
-              <a:t>Nativamente</a:t>
-            </a:r>
-            <a:r>
-              <a:rPr lang="en-US" sz="2400" spc="56" dirty="0" smtClean="0">
-                <a:solidFill>
-                  <a:srgbClr val="FFFFFF"/>
-                </a:solidFill>
-                <a:latin typeface="Montserrat Classic Bold"/>
-              </a:rPr>
-              <a:t> </a:t>
-            </a:r>
-            <a:r>
-              <a:rPr lang="en-US" sz="2400" spc="56" smtClean="0">
-                <a:solidFill>
-                  <a:srgbClr val="FFFFFF"/>
-                </a:solidFill>
-                <a:latin typeface="Montserrat Classic Bold"/>
-              </a:rPr>
-              <a:t>async</a:t>
-            </a:r>
-            <a:r>
-              <a:rPr lang="en-US" sz="2400" spc="56" dirty="0" smtClean="0">
-                <a:solidFill>
-                  <a:srgbClr val="FFFFFF"/>
-                </a:solidFill>
-                <a:latin typeface="Montserrat Classic Bold"/>
-              </a:rPr>
-              <a:t>/await</a:t>
-            </a:r>
           </a:p>
           <a:p>
             <a:pPr>
@@ -4651,13 +4426,58 @@
               </a:spcBef>
             </a:pPr>
             <a:r>
-              <a:rPr lang="en-US" sz="2400" spc="56" dirty="0" smtClean="0">
-                <a:solidFill>
-                  <a:srgbClr val="FFFFFF"/>
-                </a:solidFill>
-                <a:latin typeface="Montserrat Classic Bold"/>
-              </a:rPr>
-              <a:t>ASGI servers</a:t>
+              <a:rPr lang="en-US" sz="2400" spc="56" dirty="0">
+                <a:solidFill>
+                  <a:srgbClr val="FFFFFF"/>
+                </a:solidFill>
+                <a:latin typeface="Montserrat Classic Bold"/>
+              </a:rPr>
+              <a:t>Type hints: </a:t>
+            </a:r>
+            <a:r>
+              <a:rPr lang="en-US" sz="2400" spc="56" dirty="0" err="1">
+                <a:solidFill>
+                  <a:srgbClr val="FFFFFF"/>
+                </a:solidFill>
+                <a:latin typeface="Montserrat Classic Bold"/>
+              </a:rPr>
+              <a:t>usati</a:t>
+            </a:r>
+            <a:r>
+              <a:rPr lang="en-US" sz="2400" spc="56" dirty="0">
+                <a:solidFill>
+                  <a:srgbClr val="FFFFFF"/>
+                </a:solidFill>
+                <a:latin typeface="Montserrat Classic Bold"/>
+              </a:rPr>
+              <a:t> per </a:t>
+            </a:r>
+            <a:r>
+              <a:rPr lang="en-US" sz="2400" spc="56" dirty="0" err="1">
+                <a:solidFill>
+                  <a:srgbClr val="FFFFFF"/>
+                </a:solidFill>
+                <a:latin typeface="Montserrat Classic Bold"/>
+              </a:rPr>
+              <a:t>conversioni</a:t>
+            </a:r>
+            <a:r>
+              <a:rPr lang="it-IT" sz="2400" spc="56" dirty="0">
+                <a:solidFill>
+                  <a:srgbClr val="FFFFFF"/>
+                </a:solidFill>
+                <a:latin typeface="Montserrat Classic Bold"/>
+              </a:rPr>
+              <a:t>, validazioni</a:t>
+            </a:r>
+            <a:r>
+              <a:rPr lang="en-US" sz="2400" spc="56" dirty="0">
+                <a:solidFill>
+                  <a:srgbClr val="FFFFFF"/>
+                </a:solidFill>
+                <a:latin typeface="Montserrat Classic Bold"/>
+              </a:rPr>
+              <a:t> e doc</a:t>
             </a:r>
           </a:p>
           <a:p>
@@ -4680,31 +4500,22 @@
               </a:spcBef>
             </a:pPr>
             <a:r>
-              <a:rPr lang="en-US" sz="2400" spc="56" dirty="0" smtClean="0">
-                <a:solidFill>
-                  <a:srgbClr val="FFFFFF"/>
-                </a:solidFill>
-                <a:latin typeface="Montserrat Classic Bold"/>
-              </a:rPr>
-              <a:t>Data classes / </a:t>
-            </a:r>
-            <a:r>
-              <a:rPr lang="en-US" sz="2400" spc="56" dirty="0" err="1" smtClean="0">
-                <a:solidFill>
-                  <a:srgbClr val="FFFFFF"/>
-                </a:solidFill>
-                <a:latin typeface="Montserrat Classic Bold"/>
-              </a:rPr>
-              <a:t>Pydantic</a:t>
-            </a:r>
-            <a:r>
-              <a:rPr lang="en-US" sz="2400" spc="56" dirty="0" smtClean="0">
-                <a:solidFill>
-                  <a:srgbClr val="FFFFFF"/>
-                </a:solidFill>
-                <a:latin typeface="Montserrat Classic Bold"/>
-              </a:rPr>
-              <a:t> classes</a:t>
+              <a:rPr lang="en-US" sz="2400" spc="56" dirty="0" err="1">
+                <a:solidFill>
+                  <a:srgbClr val="FFFFFF"/>
+                </a:solidFill>
+                <a:latin typeface="Montserrat Classic Bold"/>
+              </a:rPr>
+              <a:t>Nativamente</a:t>
+            </a:r>
+            <a:r>
+              <a:rPr lang="en-US" sz="2400" spc="56" dirty="0">
+                <a:solidFill>
+                  <a:srgbClr val="FFFFFF"/>
+                </a:solidFill>
+                <a:latin typeface="Montserrat Classic Bold"/>
+              </a:rPr>
+              <a:t> async/await</a:t>
             </a:r>
           </a:p>
           <a:p>
@@ -4727,38 +4538,14 @@
               </a:spcBef>
             </a:pPr>
             <a:r>
-              <a:rPr lang="en-US" sz="2400" spc="56" dirty="0" err="1" smtClean="0">
-                <a:solidFill>
-                  <a:srgbClr val="FFFFFF"/>
-                </a:solidFill>
-                <a:latin typeface="Montserrat Classic Bold"/>
-              </a:rPr>
-              <a:t>OpenAPI</a:t>
-            </a:r>
-            <a:r>
-              <a:rPr lang="en-US" sz="2400" spc="56" dirty="0" smtClean="0">
-                <a:solidFill>
-                  <a:srgbClr val="FFFFFF"/>
-                </a:solidFill>
-                <a:latin typeface="Montserrat Classic Bold"/>
-              </a:rPr>
-              <a:t> documentation </a:t>
-            </a:r>
-            <a:r>
-              <a:rPr lang="en-US" sz="2400" spc="56" dirty="0" err="1" smtClean="0">
-                <a:solidFill>
-                  <a:srgbClr val="FFFFFF"/>
-                </a:solidFill>
-                <a:latin typeface="Montserrat Classic Bold"/>
-              </a:rPr>
-              <a:t>automatica</a:t>
-            </a:r>
-            <a:endParaRPr lang="en-US" sz="2400" spc="56" dirty="0" smtClean="0">
-              <a:solidFill>
-                <a:srgbClr val="FFFFFF"/>
-              </a:solidFill>
-              <a:latin typeface="Montserrat Classic Bold"/>
-            </a:endParaRPr>
+              <a:rPr lang="en-US" sz="2400" spc="56" dirty="0">
+                <a:solidFill>
+                  <a:srgbClr val="FFFFFF"/>
+                </a:solidFill>
+                <a:latin typeface="Montserrat Classic Bold"/>
+              </a:rPr>
+              <a:t>ASGI servers</a:t>
+            </a:r>
           </a:p>
           <a:p>
             <a:pPr>
@@ -4780,42 +4567,40 @@
               </a:spcBef>
             </a:pPr>
             <a:r>
-              <a:rPr lang="en-US" sz="2400" spc="56" dirty="0" smtClean="0">
-                <a:solidFill>
-                  <a:srgbClr val="FFFFFF"/>
-                </a:solidFill>
-                <a:latin typeface="Montserrat Classic Bold"/>
-              </a:rPr>
-              <a:t>Facile </a:t>
-            </a:r>
-            <a:r>
-              <a:rPr lang="en-US" sz="2400" spc="56" dirty="0" err="1" smtClean="0">
-                <a:solidFill>
-                  <a:srgbClr val="FFFFFF"/>
-                </a:solidFill>
-                <a:latin typeface="Montserrat Classic Bold"/>
-              </a:rPr>
-              <a:t>integrazione</a:t>
-            </a:r>
-            <a:r>
-              <a:rPr lang="en-US" sz="2400" spc="56" dirty="0" smtClean="0">
-                <a:solidFill>
-                  <a:srgbClr val="FFFFFF"/>
-                </a:solidFill>
-                <a:latin typeface="Montserrat Classic Bold"/>
-              </a:rPr>
-              <a:t> con </a:t>
-            </a:r>
-            <a:r>
-              <a:rPr lang="en-US" sz="2400" spc="56" dirty="0" err="1" smtClean="0">
-                <a:solidFill>
-                  <a:srgbClr val="FFFFFF"/>
-                </a:solidFill>
-                <a:latin typeface="Montserrat Classic Bold"/>
-              </a:rPr>
-              <a:t>pytest</a:t>
-            </a:r>
-            <a:endParaRPr lang="en-US" sz="2400" spc="56" dirty="0" smtClean="0">
+              <a:rPr lang="en-US" sz="2400" spc="56" dirty="0">
+                <a:solidFill>
+                  <a:srgbClr val="FFFFFF"/>
+                </a:solidFill>
+                <a:latin typeface="Montserrat Classic Bold"/>
+              </a:rPr>
+              <a:t>Data classes / </a:t>
+            </a:r>
+            <a:r>
+              <a:rPr lang="en-US" sz="2400" spc="56" dirty="0" err="1">
+                <a:solidFill>
+                  <a:srgbClr val="FFFFFF"/>
+                </a:solidFill>
+                <a:latin typeface="Montserrat Classic Bold"/>
+              </a:rPr>
+              <a:t>Pydantic</a:t>
+            </a:r>
+            <a:r>
+              <a:rPr lang="en-US" sz="2400" spc="56" dirty="0">
+                <a:solidFill>
+                  <a:srgbClr val="FFFFFF"/>
+                </a:solidFill>
+                <a:latin typeface="Montserrat Classic Bold"/>
+              </a:rPr>
+              <a:t> classes</a:t>
+            </a:r>
+          </a:p>
+          <a:p>
+            <a:pPr>
+              <a:spcBef>
+                <a:spcPct val="0"/>
+              </a:spcBef>
+            </a:pPr>
+            <a:endParaRPr lang="en-US" sz="2400" spc="56" dirty="0">
               <a:solidFill>
                 <a:srgbClr val="FFFFFF"/>
               </a:solidFill>
@@ -4828,7 +4613,43 @@
                 <a:spcPct val="0"/>
               </a:spcBef>
             </a:pPr>
-            <a:endParaRPr lang="en-US" sz="2400" spc="56" dirty="0" smtClean="0">
+            <a:r>
+              <a:rPr lang="en-US" sz="2400" spc="56" dirty="0" err="1">
+                <a:solidFill>
+                  <a:srgbClr val="FFFFFF"/>
+                </a:solidFill>
+                <a:latin typeface="Montserrat Classic Bold"/>
+              </a:rPr>
+              <a:t>OpenAPI</a:t>
+            </a:r>
+            <a:r>
+              <a:rPr lang="en-US" sz="2400" spc="56" dirty="0">
+                <a:solidFill>
+                  <a:srgbClr val="FFFFFF"/>
+                </a:solidFill>
+                <a:latin typeface="Montserrat Classic Bold"/>
+              </a:rPr>
+              <a:t> </a:t>
+            </a:r>
+            <a:r>
+              <a:rPr lang="en-US" sz="2400" spc="56">
+                <a:solidFill>
+                  <a:srgbClr val="FFFFFF"/>
+                </a:solidFill>
+                <a:latin typeface="Montserrat Classic Bold"/>
+              </a:rPr>
+              <a:t>documentazione </a:t>
+            </a:r>
+            <a:r>
+              <a:rPr lang="en-US" sz="2400" spc="56" dirty="0" err="1">
+                <a:solidFill>
+                  <a:srgbClr val="FFFFFF"/>
+                </a:solidFill>
+                <a:latin typeface="Montserrat Classic Bold"/>
+              </a:rPr>
+              <a:t>automatica</a:t>
+            </a:r>
+            <a:endParaRPr lang="en-US" sz="2400" spc="56" dirty="0">
               <a:solidFill>
                 <a:srgbClr val="FFFFFF"/>
               </a:solidFill>
@@ -4841,57 +4662,144 @@
                 <a:spcPct val="0"/>
               </a:spcBef>
             </a:pPr>
-            <a:r>
-              <a:rPr lang="en-US" sz="2400" spc="56" dirty="0" err="1" smtClean="0">
-                <a:solidFill>
-                  <a:srgbClr val="FFFFFF"/>
-                </a:solidFill>
-                <a:latin typeface="Montserrat Classic Bold"/>
-              </a:rPr>
-              <a:t>Supporto</a:t>
-            </a:r>
-            <a:r>
-              <a:rPr lang="en-US" sz="2400" spc="56" dirty="0" smtClean="0">
-                <a:solidFill>
-                  <a:srgbClr val="FFFFFF"/>
-                </a:solidFill>
-                <a:latin typeface="Montserrat Classic Bold"/>
-              </a:rPr>
-              <a:t> per </a:t>
-            </a:r>
-            <a:r>
-              <a:rPr lang="en-US" sz="2400" spc="56" dirty="0" err="1" smtClean="0">
-                <a:solidFill>
-                  <a:srgbClr val="FFFFFF"/>
-                </a:solidFill>
-                <a:latin typeface="Montserrat Classic Bold"/>
-              </a:rPr>
-              <a:t>gli</a:t>
-            </a:r>
-            <a:r>
-              <a:rPr lang="en-US" sz="2400" spc="56" dirty="0" smtClean="0">
-                <a:solidFill>
-                  <a:srgbClr val="FFFFFF"/>
-                </a:solidFill>
-                <a:latin typeface="Montserrat Classic Bold"/>
-              </a:rPr>
-              <a:t> editor </a:t>
-            </a:r>
-            <a:r>
-              <a:rPr lang="en-US" sz="2400" spc="56" dirty="0" err="1" smtClean="0">
-                <a:solidFill>
-                  <a:srgbClr val="FFFFFF"/>
-                </a:solidFill>
-                <a:latin typeface="Montserrat Classic Bold"/>
-              </a:rPr>
-              <a:t>famosi</a:t>
-            </a:r>
-            <a:endParaRPr lang="en-US" sz="2400" spc="56" dirty="0" smtClean="0">
+            <a:endParaRPr lang="en-US" sz="2400" spc="56" dirty="0">
               <a:solidFill>
                 <a:srgbClr val="FFFFFF"/>
               </a:solidFill>
               <a:latin typeface="Montserrat Classic Bold"/>
             </a:endParaRPr>
+          </a:p>
+          <a:p>
+            <a:pPr>
+              <a:spcBef>
+                <a:spcPct val="0"/>
+              </a:spcBef>
+            </a:pPr>
+            <a:r>
+              <a:rPr lang="en-US" sz="2400" spc="56" dirty="0">
+                <a:solidFill>
+                  <a:srgbClr val="FFFFFF"/>
+                </a:solidFill>
+                <a:latin typeface="Montserrat Classic Bold"/>
+              </a:rPr>
+              <a:t>Facile </a:t>
+            </a:r>
+            <a:r>
+              <a:rPr lang="en-US" sz="2400" spc="56" dirty="0" err="1">
+                <a:solidFill>
+                  <a:srgbClr val="FFFFFF"/>
+                </a:solidFill>
+                <a:latin typeface="Montserrat Classic Bold"/>
+              </a:rPr>
+              <a:t>integrazione</a:t>
+            </a:r>
+            <a:r>
+              <a:rPr lang="en-US" sz="2400" spc="56" dirty="0">
+                <a:solidFill>
+                  <a:srgbClr val="FFFFFF"/>
+                </a:solidFill>
+                <a:latin typeface="Montserrat Classic Bold"/>
+              </a:rPr>
+              <a:t> con </a:t>
+            </a:r>
+            <a:r>
+              <a:rPr lang="en-US" sz="2400" spc="56" dirty="0" err="1">
+                <a:solidFill>
+                  <a:srgbClr val="FFFFFF"/>
+                </a:solidFill>
+                <a:latin typeface="Montserrat Classic Bold"/>
+              </a:rPr>
+              <a:t>pytest</a:t>
+            </a:r>
+            <a:endParaRPr lang="en-US" sz="2400" spc="56" dirty="0">
+              <a:solidFill>
+                <a:srgbClr val="FFFFFF"/>
+              </a:solidFill>
+              <a:latin typeface="Montserrat Classic Bold"/>
+            </a:endParaRPr>
+          </a:p>
+          <a:p>
+            <a:pPr>
+              <a:spcBef>
+                <a:spcPct val="0"/>
+              </a:spcBef>
+            </a:pPr>
+            <a:endParaRPr lang="en-US" sz="2400" spc="56" dirty="0">
+              <a:solidFill>
+                <a:srgbClr val="FFFFFF"/>
+              </a:solidFill>
+              <a:latin typeface="Montserrat Classic Bold"/>
+            </a:endParaRPr>
+          </a:p>
+          <a:p>
+            <a:pPr>
+              <a:spcBef>
+                <a:spcPct val="0"/>
+              </a:spcBef>
+            </a:pPr>
+            <a:r>
+              <a:rPr lang="en-US" sz="2400" spc="56" dirty="0">
+                <a:solidFill>
+                  <a:srgbClr val="FFFFFF"/>
+                </a:solidFill>
+                <a:latin typeface="Montserrat Classic Bold"/>
+              </a:rPr>
+              <a:t>Supporto per </a:t>
+            </a:r>
+            <a:r>
+              <a:rPr lang="en-US" sz="2400" spc="56" dirty="0" err="1">
+                <a:solidFill>
+                  <a:srgbClr val="FFFFFF"/>
+                </a:solidFill>
+                <a:latin typeface="Montserrat Classic Bold"/>
+              </a:rPr>
+              <a:t>gli</a:t>
+            </a:r>
+            <a:r>
+              <a:rPr lang="en-US" sz="2400" spc="56" dirty="0">
+                <a:solidFill>
+                  <a:srgbClr val="FFFFFF"/>
+                </a:solidFill>
+                <a:latin typeface="Montserrat Classic Bold"/>
+              </a:rPr>
+              <a:t> editor </a:t>
+            </a:r>
+            <a:r>
+              <a:rPr lang="en-US" sz="2400" spc="56" dirty="0" err="1">
+                <a:solidFill>
+                  <a:srgbClr val="FFFFFF"/>
+                </a:solidFill>
+                <a:latin typeface="Montserrat Classic Bold"/>
+              </a:rPr>
+              <a:t>famosi</a:t>
+            </a:r>
+            <a:r>
+              <a:rPr lang="en-US" sz="2400" spc="56" dirty="0">
+                <a:solidFill>
+                  <a:srgbClr val="FFFFFF"/>
+                </a:solidFill>
+                <a:latin typeface="Montserrat Classic Bold"/>
+              </a:rPr>
+              <a:t>: </a:t>
+            </a:r>
+            <a:r>
+              <a:rPr lang="en-US" sz="2400" spc="56" dirty="0" err="1">
+                <a:solidFill>
+                  <a:srgbClr val="FFFFFF"/>
+                </a:solidFill>
+                <a:latin typeface="Montserrat Classic Bold"/>
+              </a:rPr>
+              <a:t>VSCode</a:t>
+            </a:r>
+            <a:r>
+              <a:rPr lang="en-US" sz="2400" spc="56" dirty="0">
+                <a:solidFill>
+                  <a:srgbClr val="FFFFFF"/>
+                </a:solidFill>
+                <a:latin typeface="Montserrat Classic Bold"/>
+              </a:rPr>
+              <a:t> e PyCharm</a:t>
+            </a:r>
           </a:p>
         </p:txBody>
       </p:sp>
@@ -4905,13 +4813,6 @@
   <p:clrMapOvr>
     <a:masterClrMapping/>
   </p:clrMapOvr>
-  <p:timing>
-    <p:tnLst>
-      <p:par>
-        <p:cTn id="1" dur="indefinite" restart="never" nodeType="tmRoot"/>
-      </p:par>
-    </p:tnLst>
-  </p:timing>
 </p:sld>
 </file>
 
@@ -5052,7 +4953,7 @@
               </a:spcBef>
             </a:pPr>
             <a:r>
-              <a:rPr lang="en-US" sz="5400" spc="56" dirty="0" err="1" smtClean="0">
+              <a:rPr lang="en-US" sz="5400" spc="56" dirty="0" err="1">
                 <a:solidFill>
                   <a:srgbClr val="FFFFFF"/>
                 </a:solidFill>
@@ -5061,7 +4962,7 @@
               <a:t>FastAPI</a:t>
             </a:r>
             <a:r>
-              <a:rPr lang="en-US" sz="5400" spc="56" dirty="0" smtClean="0">
+              <a:rPr lang="en-US" sz="5400" spc="56" dirty="0">
                 <a:solidFill>
                   <a:srgbClr val="FFFFFF"/>
                 </a:solidFill>
@@ -5070,7 +4971,7 @@
               <a:t> vs </a:t>
             </a:r>
             <a:r>
-              <a:rPr lang="en-US" sz="5400" spc="56" dirty="0" err="1" smtClean="0">
+              <a:rPr lang="en-US" sz="5400" spc="56" dirty="0" err="1">
                 <a:solidFill>
                   <a:srgbClr val="FFFFFF"/>
                 </a:solidFill>
@@ -5078,7 +4979,7 @@
               </a:rPr>
               <a:t>concorrenti</a:t>
             </a:r>
-            <a:endParaRPr lang="en-US" sz="1600" spc="56" dirty="0" smtClean="0">
+            <a:endParaRPr lang="en-US" sz="1600" spc="56" dirty="0">
               <a:solidFill>
                 <a:srgbClr val="FFFFFF"/>
               </a:solidFill>
@@ -5091,7 +4992,7 @@
                 <a:spcPct val="0"/>
               </a:spcBef>
             </a:pPr>
-            <a:endParaRPr lang="en-US" sz="2400" spc="56" dirty="0" smtClean="0">
+            <a:endParaRPr lang="en-US" sz="2400" spc="56" dirty="0">
               <a:solidFill>
                 <a:srgbClr val="FFFFFF"/>
               </a:solidFill>
@@ -5105,7 +5006,7 @@
               </a:spcBef>
             </a:pPr>
             <a:r>
-              <a:rPr lang="en-US" sz="2400" spc="56" dirty="0" err="1" smtClean="0">
+              <a:rPr lang="en-US" sz="2400" spc="56" dirty="0" err="1">
                 <a:solidFill>
                   <a:srgbClr val="FFFFFF"/>
                 </a:solidFill>
@@ -5114,7 +5015,7 @@
               <a:t>FastAPI</a:t>
             </a:r>
             <a:r>
-              <a:rPr lang="en-US" sz="2400" spc="56" dirty="0" smtClean="0">
+              <a:rPr lang="en-US" sz="2400" spc="56" dirty="0">
                 <a:solidFill>
                   <a:srgbClr val="FFFFFF"/>
                 </a:solidFill>
@@ -5123,7 +5024,7 @@
               <a:t>: </a:t>
             </a:r>
             <a:r>
-              <a:rPr lang="en-US" sz="2400" spc="56" dirty="0" err="1" smtClean="0">
+              <a:rPr lang="en-US" sz="2400" spc="56" dirty="0" err="1">
                 <a:solidFill>
                   <a:srgbClr val="FFFFFF"/>
                 </a:solidFill>
@@ -5132,7 +5033,7 @@
               <a:t>async</a:t>
             </a:r>
             <a:r>
-              <a:rPr lang="en-US" sz="2400" spc="56" dirty="0" smtClean="0">
+              <a:rPr lang="en-US" sz="2400" spc="56" dirty="0">
                 <a:solidFill>
                   <a:srgbClr val="FFFFFF"/>
                 </a:solidFill>
@@ -5141,7 +5042,7 @@
               <a:t> API framework </a:t>
             </a:r>
             <a:r>
-              <a:rPr lang="en-US" sz="2400" spc="56" dirty="0" err="1" smtClean="0">
+              <a:rPr lang="en-US" sz="2400" spc="56" dirty="0" err="1">
                 <a:solidFill>
                   <a:srgbClr val="FFFFFF"/>
                 </a:solidFill>
@@ -5149,7 +5050,7 @@
               </a:rPr>
               <a:t>nativo</a:t>
             </a:r>
-            <a:endParaRPr lang="en-US" sz="2400" spc="56" dirty="0" smtClean="0">
+            <a:endParaRPr lang="en-US" sz="2400" spc="56" dirty="0">
               <a:solidFill>
                 <a:srgbClr val="FFFFFF"/>
               </a:solidFill>
@@ -5162,7 +5063,7 @@
                 <a:spcPct val="0"/>
               </a:spcBef>
             </a:pPr>
-            <a:endParaRPr lang="en-US" sz="2400" spc="56" dirty="0" smtClean="0">
+            <a:endParaRPr lang="en-US" sz="2400" spc="56" dirty="0">
               <a:solidFill>
                 <a:srgbClr val="FFFFFF"/>
               </a:solidFill>
@@ -5205,13 +5106,6 @@
   <p:clrMapOvr>
     <a:masterClrMapping/>
   </p:clrMapOvr>
-  <p:timing>
-    <p:tnLst>
-      <p:par>
-        <p:cTn id="1" dur="indefinite" restart="never" nodeType="tmRoot"/>
-      </p:par>
-    </p:tnLst>
-  </p:timing>
 </p:sld>
 </file>
 
@@ -5352,7 +5246,7 @@
               </a:spcBef>
             </a:pPr>
             <a:r>
-              <a:rPr lang="en-US" sz="5400" spc="56" dirty="0" smtClean="0">
+              <a:rPr lang="en-US" sz="5400" spc="56" dirty="0">
                 <a:solidFill>
                   <a:srgbClr val="FFFFFF"/>
                 </a:solidFill>
@@ -5361,7 +5255,7 @@
               <a:t>Macro </a:t>
             </a:r>
             <a:r>
-              <a:rPr lang="en-US" sz="5400" spc="56" dirty="0" err="1" smtClean="0">
+              <a:rPr lang="en-US" sz="5400" spc="56" dirty="0" err="1">
                 <a:solidFill>
                   <a:srgbClr val="FFFFFF"/>
                 </a:solidFill>
@@ -5370,7 +5264,7 @@
               <a:t>programma</a:t>
             </a:r>
             <a:r>
-              <a:rPr lang="en-US" sz="5400" spc="56" dirty="0" smtClean="0">
+              <a:rPr lang="en-US" sz="5400" spc="56" dirty="0">
                 <a:solidFill>
                   <a:srgbClr val="FFFFFF"/>
                 </a:solidFill>
@@ -5379,7 +5273,7 @@
               <a:t> del </a:t>
             </a:r>
             <a:r>
-              <a:rPr lang="en-US" sz="5400" spc="56" dirty="0" err="1" smtClean="0">
+              <a:rPr lang="en-US" sz="5400" spc="56" dirty="0" err="1">
                 <a:solidFill>
                   <a:srgbClr val="FFFFFF"/>
                 </a:solidFill>
@@ -5387,7 +5281,7 @@
               </a:rPr>
               <a:t>corso</a:t>
             </a:r>
-            <a:endParaRPr lang="en-US" sz="1600" spc="56" dirty="0" smtClean="0">
+            <a:endParaRPr lang="en-US" sz="1600" spc="56" dirty="0">
               <a:solidFill>
                 <a:srgbClr val="FFFFFF"/>
               </a:solidFill>
@@ -5400,7 +5294,7 @@
                 <a:spcPct val="0"/>
               </a:spcBef>
             </a:pPr>
-            <a:endParaRPr lang="en-US" sz="2400" spc="56" dirty="0" smtClean="0">
+            <a:endParaRPr lang="en-US" sz="2400" spc="56" dirty="0">
               <a:solidFill>
                 <a:srgbClr val="FFFFFF"/>
               </a:solidFill>
@@ -5413,7 +5307,7 @@
                 <a:spcPct val="0"/>
               </a:spcBef>
             </a:pPr>
-            <a:endParaRPr lang="en-US" sz="2400" spc="56" dirty="0" smtClean="0">
+            <a:endParaRPr lang="en-US" sz="2400" spc="56" dirty="0">
               <a:solidFill>
                 <a:srgbClr val="FFFFFF"/>
               </a:solidFill>
@@ -5456,13 +5350,6 @@
   <p:clrMapOvr>
     <a:masterClrMapping/>
   </p:clrMapOvr>
-  <p:timing>
-    <p:tnLst>
-      <p:par>
-        <p:cTn id="1" dur="indefinite" restart="never" nodeType="tmRoot"/>
-      </p:par>
-    </p:tnLst>
-  </p:timing>
 </p:sld>
 </file>
 
@@ -5603,7 +5490,7 @@
               </a:spcBef>
             </a:pPr>
             <a:r>
-              <a:rPr lang="en-US" sz="5400" spc="56" dirty="0" smtClean="0">
+              <a:rPr lang="en-US" sz="5400" spc="56" dirty="0">
                 <a:solidFill>
                   <a:srgbClr val="FFFFFF"/>
                 </a:solidFill>
@@ -5612,7 +5499,7 @@
               <a:t>La “</a:t>
             </a:r>
             <a:r>
-              <a:rPr lang="en-US" sz="5400" spc="56" dirty="0" err="1" smtClean="0">
+              <a:rPr lang="en-US" sz="5400" spc="56" dirty="0" err="1">
                 <a:solidFill>
                   <a:srgbClr val="FFFFFF"/>
                 </a:solidFill>
@@ -5621,7 +5508,7 @@
               <a:t>storia</a:t>
             </a:r>
             <a:r>
-              <a:rPr lang="en-US" sz="5400" spc="56" dirty="0" smtClean="0">
+              <a:rPr lang="en-US" sz="5400" spc="56" dirty="0">
                 <a:solidFill>
                   <a:srgbClr val="FFFFFF"/>
                 </a:solidFill>
@@ -5630,7 +5517,7 @@
               <a:t>” di </a:t>
             </a:r>
             <a:r>
-              <a:rPr lang="en-US" sz="5400" spc="56" dirty="0" err="1" smtClean="0">
+              <a:rPr lang="en-US" sz="5400" spc="56" dirty="0" err="1">
                 <a:solidFill>
                   <a:srgbClr val="FFFFFF"/>
                 </a:solidFill>
@@ -5638,7 +5525,7 @@
               </a:rPr>
               <a:t>FastAPI</a:t>
             </a:r>
-            <a:endParaRPr lang="en-US" sz="5400" spc="56" dirty="0" smtClean="0">
+            <a:endParaRPr lang="en-US" sz="5400" spc="56" dirty="0">
               <a:solidFill>
                 <a:srgbClr val="FFFFFF"/>
               </a:solidFill>
@@ -5665,60 +5552,13 @@
               </a:spcBef>
             </a:pPr>
             <a:r>
-              <a:rPr lang="en-US" sz="2000" spc="56" dirty="0" smtClean="0">
+              <a:rPr lang="en-US" sz="2000" spc="56" dirty="0">
                 <a:solidFill>
                   <a:srgbClr val="FFFFFF"/>
                 </a:solidFill>
                 <a:latin typeface="Montserrat Classic Bold"/>
               </a:rPr>
               <a:t>PODCASTs</a:t>
-            </a:r>
-          </a:p>
-          <a:p>
-            <a:pPr>
-              <a:spcBef>
-                <a:spcPct val="0"/>
-              </a:spcBef>
-            </a:pPr>
-            <a:endParaRPr lang="en-US" sz="2000" spc="56" dirty="0" smtClean="0">
-              <a:solidFill>
-                <a:srgbClr val="FFFFFF"/>
-              </a:solidFill>
-              <a:latin typeface="Montserrat Classic Bold"/>
-            </a:endParaRPr>
-          </a:p>
-          <a:p>
-            <a:pPr>
-              <a:spcBef>
-                <a:spcPct val="0"/>
-              </a:spcBef>
-            </a:pPr>
-            <a:r>
-              <a:rPr lang="en-US" sz="2000" spc="56" dirty="0" smtClean="0">
-                <a:solidFill>
-                  <a:srgbClr val="FFFFFF"/>
-                </a:solidFill>
-                <a:latin typeface="Montserrat Classic Bold"/>
-              </a:rPr>
-              <a:t>https</a:t>
-            </a:r>
-            <a:r>
-              <a:rPr lang="en-US" sz="2000" spc="56" dirty="0">
-                <a:solidFill>
-                  <a:srgbClr val="FFFFFF"/>
-                </a:solidFill>
-                <a:latin typeface="Montserrat Classic Bold"/>
-              </a:rPr>
-              <a:t>://</a:t>
-            </a:r>
-            <a:r>
-              <a:rPr lang="en-US" sz="2000" spc="56" dirty="0" smtClean="0">
-                <a:solidFill>
-                  <a:srgbClr val="FFFFFF"/>
-                </a:solidFill>
-                <a:latin typeface="Montserrat Classic Bold"/>
-              </a:rPr>
-              <a:t>talkpython.fm/episodes/show/284/modern-and-fast-apis-with-fastapi</a:t>
             </a:r>
           </a:p>
           <a:p>
@@ -5747,7 +5587,7 @@
                 </a:solidFill>
                 <a:latin typeface="Montserrat Classic Bold"/>
               </a:rPr>
-              <a:t>https://talkpython.fm/episodes/show/315/awesome-fastapi-extensions-and-add-ons</a:t>
+              <a:t>https://talkpython.fm/episodes/show/284/modern-and-fast-apis-with-fastapi</a:t>
             </a:r>
           </a:p>
           <a:p>
@@ -5756,7 +5596,7 @@
                 <a:spcPct val="0"/>
               </a:spcBef>
             </a:pPr>
-            <a:endParaRPr lang="en-US" sz="1600" spc="56" dirty="0" smtClean="0">
+            <a:endParaRPr lang="en-US" sz="2000" spc="56" dirty="0">
               <a:solidFill>
                 <a:srgbClr val="FFFFFF"/>
               </a:solidFill>
@@ -5769,7 +5609,23 @@
                 <a:spcPct val="0"/>
               </a:spcBef>
             </a:pPr>
-            <a:endParaRPr lang="en-US" sz="2400" spc="56" dirty="0" smtClean="0">
+            <a:r>
+              <a:rPr lang="en-US" sz="2000" spc="56" dirty="0">
+                <a:solidFill>
+                  <a:srgbClr val="FFFFFF"/>
+                </a:solidFill>
+                <a:latin typeface="Montserrat Classic Bold"/>
+              </a:rPr>
+              <a:t>https://talkpython.fm/episodes/show/315/awesome-fastapi-extensions-and-add-ons</a:t>
+            </a:r>
+          </a:p>
+          <a:p>
+            <a:pPr>
+              <a:spcBef>
+                <a:spcPct val="0"/>
+              </a:spcBef>
+            </a:pPr>
+            <a:endParaRPr lang="en-US" sz="1600" spc="56" dirty="0">
               <a:solidFill>
                 <a:srgbClr val="FFFFFF"/>
               </a:solidFill>
@@ -5782,7 +5638,20 @@
                 <a:spcPct val="0"/>
               </a:spcBef>
             </a:pPr>
-            <a:endParaRPr lang="en-US" sz="2400" spc="56" dirty="0" smtClean="0">
+            <a:endParaRPr lang="en-US" sz="2400" spc="56" dirty="0">
+              <a:solidFill>
+                <a:srgbClr val="FFFFFF"/>
+              </a:solidFill>
+              <a:latin typeface="Montserrat Classic Bold"/>
+            </a:endParaRPr>
+          </a:p>
+          <a:p>
+            <a:pPr>
+              <a:spcBef>
+                <a:spcPct val="0"/>
+              </a:spcBef>
+            </a:pPr>
+            <a:endParaRPr lang="en-US" sz="2400" spc="56" dirty="0">
               <a:solidFill>
                 <a:srgbClr val="FFFFFF"/>
               </a:solidFill>
@@ -5825,13 +5694,6 @@
   <p:clrMapOvr>
     <a:masterClrMapping/>
   </p:clrMapOvr>
-  <p:timing>
-    <p:tnLst>
-      <p:par>
-        <p:cTn id="1" dur="indefinite" restart="never" nodeType="tmRoot"/>
-      </p:par>
-    </p:tnLst>
-  </p:timing>
 </p:sld>
 </file>
 

--- a/materiale_raw/FastAPI-PBG.pptx
+++ b/materiale_raw/FastAPI-PBG.pptx
@@ -331,7 +331,7 @@
             <a:fld id="{1D8BD707-D9CF-40AE-B4C6-C98DA3205C09}" type="datetimeFigureOut">
               <a:rPr lang="en-US" smtClean="0"/>
               <a:pPr/>
-              <a:t>9/4/2021</a:t>
+              <a:t>9/13/2021</a:t>
             </a:fld>
             <a:endParaRPr lang="en-US"/>
           </a:p>
@@ -496,7 +496,7 @@
             <a:fld id="{1D8BD707-D9CF-40AE-B4C6-C98DA3205C09}" type="datetimeFigureOut">
               <a:rPr lang="en-US" smtClean="0"/>
               <a:pPr/>
-              <a:t>9/4/2021</a:t>
+              <a:t>9/13/2021</a:t>
             </a:fld>
             <a:endParaRPr lang="en-US"/>
           </a:p>
@@ -671,7 +671,7 @@
             <a:fld id="{1D8BD707-D9CF-40AE-B4C6-C98DA3205C09}" type="datetimeFigureOut">
               <a:rPr lang="en-US" smtClean="0"/>
               <a:pPr/>
-              <a:t>9/4/2021</a:t>
+              <a:t>9/13/2021</a:t>
             </a:fld>
             <a:endParaRPr lang="en-US"/>
           </a:p>
@@ -836,7 +836,7 @@
             <a:fld id="{1D8BD707-D9CF-40AE-B4C6-C98DA3205C09}" type="datetimeFigureOut">
               <a:rPr lang="en-US" smtClean="0"/>
               <a:pPr/>
-              <a:t>9/4/2021</a:t>
+              <a:t>9/13/2021</a:t>
             </a:fld>
             <a:endParaRPr lang="en-US"/>
           </a:p>
@@ -1078,7 +1078,7 @@
             <a:fld id="{1D8BD707-D9CF-40AE-B4C6-C98DA3205C09}" type="datetimeFigureOut">
               <a:rPr lang="en-US" smtClean="0"/>
               <a:pPr/>
-              <a:t>9/4/2021</a:t>
+              <a:t>9/13/2021</a:t>
             </a:fld>
             <a:endParaRPr lang="en-US"/>
           </a:p>
@@ -1360,7 +1360,7 @@
             <a:fld id="{1D8BD707-D9CF-40AE-B4C6-C98DA3205C09}" type="datetimeFigureOut">
               <a:rPr lang="en-US" smtClean="0"/>
               <a:pPr/>
-              <a:t>9/4/2021</a:t>
+              <a:t>9/13/2021</a:t>
             </a:fld>
             <a:endParaRPr lang="en-US"/>
           </a:p>
@@ -1776,7 +1776,7 @@
             <a:fld id="{1D8BD707-D9CF-40AE-B4C6-C98DA3205C09}" type="datetimeFigureOut">
               <a:rPr lang="en-US" smtClean="0"/>
               <a:pPr/>
-              <a:t>9/4/2021</a:t>
+              <a:t>9/13/2021</a:t>
             </a:fld>
             <a:endParaRPr lang="en-US"/>
           </a:p>
@@ -1890,7 +1890,7 @@
             <a:fld id="{1D8BD707-D9CF-40AE-B4C6-C98DA3205C09}" type="datetimeFigureOut">
               <a:rPr lang="en-US" smtClean="0"/>
               <a:pPr/>
-              <a:t>9/4/2021</a:t>
+              <a:t>9/13/2021</a:t>
             </a:fld>
             <a:endParaRPr lang="en-US"/>
           </a:p>
@@ -1982,7 +1982,7 @@
             <a:fld id="{1D8BD707-D9CF-40AE-B4C6-C98DA3205C09}" type="datetimeFigureOut">
               <a:rPr lang="en-US" smtClean="0"/>
               <a:pPr/>
-              <a:t>9/4/2021</a:t>
+              <a:t>9/13/2021</a:t>
             </a:fld>
             <a:endParaRPr lang="en-US"/>
           </a:p>
@@ -2254,7 +2254,7 @@
             <a:fld id="{1D8BD707-D9CF-40AE-B4C6-C98DA3205C09}" type="datetimeFigureOut">
               <a:rPr lang="en-US" smtClean="0"/>
               <a:pPr/>
-              <a:t>9/4/2021</a:t>
+              <a:t>9/13/2021</a:t>
             </a:fld>
             <a:endParaRPr lang="en-US"/>
           </a:p>
@@ -2503,7 +2503,7 @@
             <a:fld id="{1D8BD707-D9CF-40AE-B4C6-C98DA3205C09}" type="datetimeFigureOut">
               <a:rPr lang="en-US" smtClean="0"/>
               <a:pPr/>
-              <a:t>9/4/2021</a:t>
+              <a:t>9/13/2021</a:t>
             </a:fld>
             <a:endParaRPr lang="en-US"/>
           </a:p>
@@ -2711,7 +2711,7 @@
             <a:fld id="{1D8BD707-D9CF-40AE-B4C6-C98DA3205C09}" type="datetimeFigureOut">
               <a:rPr lang="en-US" smtClean="0"/>
               <a:pPr/>
-              <a:t>9/4/2021</a:t>
+              <a:t>9/13/2021</a:t>
             </a:fld>
             <a:endParaRPr lang="en-US"/>
           </a:p>
@@ -4373,7 +4373,7 @@
         <p:spPr>
           <a:xfrm>
             <a:off x="2375553" y="647700"/>
-            <a:ext cx="11730560" cy="6001643"/>
+            <a:ext cx="11730560" cy="6370975"/>
           </a:xfrm>
           <a:prstGeom prst="rect">
             <a:avLst/>
@@ -4477,8 +4477,41 @@
                 </a:solidFill>
                 <a:latin typeface="Montserrat Classic Bold"/>
               </a:rPr>
-              <a:t> e doc</a:t>
-            </a:r>
+              <a:t> e </a:t>
+            </a:r>
+            <a:r>
+              <a:rPr lang="en-US" sz="2400" spc="56" dirty="0" err="1">
+                <a:solidFill>
+                  <a:srgbClr val="FFFFFF"/>
+                </a:solidFill>
+                <a:latin typeface="Montserrat Classic Bold"/>
+              </a:rPr>
+              <a:t>documentazione</a:t>
+            </a:r>
+            <a:r>
+              <a:rPr lang="en-US" sz="2400" spc="56" dirty="0">
+                <a:solidFill>
+                  <a:srgbClr val="FFFFFF"/>
+                </a:solidFill>
+                <a:latin typeface="Montserrat Classic Bold"/>
+              </a:rPr>
+              <a:t> </a:t>
+            </a:r>
+            <a:r>
+              <a:rPr lang="en-US" sz="2400" spc="56" dirty="0" err="1">
+                <a:solidFill>
+                  <a:srgbClr val="FFFFFF"/>
+                </a:solidFill>
+                <a:latin typeface="Montserrat Classic Bold"/>
+              </a:rPr>
+              <a:t>automatica</a:t>
+            </a:r>
+            <a:endParaRPr lang="en-US" sz="2400" spc="56" dirty="0">
+              <a:solidFill>
+                <a:srgbClr val="FFFFFF"/>
+              </a:solidFill>
+              <a:latin typeface="Montserrat Classic Bold"/>
+            </a:endParaRPr>
           </a:p>
           <a:p>
             <a:pPr>
@@ -4620,34 +4653,43 @@
                 </a:solidFill>
                 <a:latin typeface="Montserrat Classic Bold"/>
               </a:rPr>
+              <a:t>Documentazione</a:t>
+            </a:r>
+            <a:r>
+              <a:rPr lang="en-US" sz="2400" spc="56" dirty="0">
+                <a:solidFill>
+                  <a:srgbClr val="FFFFFF"/>
+                </a:solidFill>
+                <a:latin typeface="Montserrat Classic Bold"/>
+              </a:rPr>
+              <a:t> </a:t>
+            </a:r>
+            <a:r>
+              <a:rPr lang="en-US" sz="2400" spc="56" dirty="0" err="1">
+                <a:solidFill>
+                  <a:srgbClr val="FFFFFF"/>
+                </a:solidFill>
+                <a:latin typeface="Montserrat Classic Bold"/>
+              </a:rPr>
+              <a:t>automatica</a:t>
+            </a:r>
+            <a:r>
+              <a:rPr lang="en-US" sz="2400" spc="56" dirty="0">
+                <a:solidFill>
+                  <a:srgbClr val="FFFFFF"/>
+                </a:solidFill>
+                <a:latin typeface="Montserrat Classic Bold"/>
+              </a:rPr>
+              <a:t> standard </a:t>
+            </a:r>
+            <a:r>
+              <a:rPr lang="en-US" sz="2400" spc="56" dirty="0" err="1">
+                <a:solidFill>
+                  <a:srgbClr val="FFFFFF"/>
+                </a:solidFill>
+                <a:latin typeface="Montserrat Classic Bold"/>
+              </a:rPr>
               <a:t>OpenAPI</a:t>
-            </a:r>
-            <a:r>
-              <a:rPr lang="en-US" sz="2400" spc="56" dirty="0">
-                <a:solidFill>
-                  <a:srgbClr val="FFFFFF"/>
-                </a:solidFill>
-                <a:latin typeface="Montserrat Classic Bold"/>
-              </a:rPr>
-              <a:t> </a:t>
-            </a:r>
-            <a:r>
-              <a:rPr lang="en-US" sz="2400" spc="56">
-                <a:solidFill>
-                  <a:srgbClr val="FFFFFF"/>
-                </a:solidFill>
-                <a:latin typeface="Montserrat Classic Bold"/>
-              </a:rPr>
-              <a:t>documentazione </a:t>
-            </a:r>
-            <a:r>
-              <a:rPr lang="en-US" sz="2400" spc="56" dirty="0" err="1">
-                <a:solidFill>
-                  <a:srgbClr val="FFFFFF"/>
-                </a:solidFill>
-                <a:latin typeface="Montserrat Classic Bold"/>
-              </a:rPr>
-              <a:t>automatica</a:t>
             </a:r>
             <a:endParaRPr lang="en-US" sz="2400" spc="56" dirty="0">
               <a:solidFill>
@@ -4935,7 +4977,7 @@
         <p:spPr>
           <a:xfrm>
             <a:off x="2375553" y="647700"/>
-            <a:ext cx="11730560" cy="1938992"/>
+            <a:ext cx="11730560" cy="2308324"/>
           </a:xfrm>
           <a:prstGeom prst="rect">
             <a:avLst/>
@@ -5021,35 +5063,15 @@
                 </a:solidFill>
                 <a:latin typeface="Montserrat Classic Bold"/>
               </a:rPr>
-              <a:t>: </a:t>
-            </a:r>
-            <a:r>
-              <a:rPr lang="en-US" sz="2400" spc="56" dirty="0" err="1">
-                <a:solidFill>
-                  <a:srgbClr val="FFFFFF"/>
-                </a:solidFill>
-                <a:latin typeface="Montserrat Classic Bold"/>
-              </a:rPr>
-              <a:t>async</a:t>
-            </a:r>
-            <a:r>
-              <a:rPr lang="en-US" sz="2400" spc="56" dirty="0">
-                <a:solidFill>
-                  <a:srgbClr val="FFFFFF"/>
-                </a:solidFill>
-                <a:latin typeface="Montserrat Classic Bold"/>
-              </a:rPr>
-              <a:t> API framework </a:t>
-            </a:r>
-            <a:r>
-              <a:rPr lang="en-US" sz="2400" spc="56" dirty="0" err="1">
-                <a:solidFill>
-                  <a:srgbClr val="FFFFFF"/>
-                </a:solidFill>
-                <a:latin typeface="Montserrat Classic Bold"/>
-              </a:rPr>
-              <a:t>nativo</a:t>
-            </a:r>
+              <a:t>: async API framework native</a:t>
+            </a:r>
+          </a:p>
+          <a:p>
+            <a:pPr>
+              <a:spcBef>
+                <a:spcPct val="0"/>
+              </a:spcBef>
+            </a:pPr>
             <a:endParaRPr lang="en-US" sz="2400" spc="56" dirty="0">
               <a:solidFill>
                 <a:srgbClr val="FFFFFF"/>
@@ -5088,8 +5110,38 @@
         </p:blipFill>
         <p:spPr>
           <a:xfrm>
-            <a:off x="4114800" y="2704269"/>
+            <a:off x="3429000" y="2933700"/>
             <a:ext cx="11550248" cy="6668537"/>
+          </a:xfrm>
+          <a:prstGeom prst="rect">
+            <a:avLst/>
+          </a:prstGeom>
+        </p:spPr>
+      </p:pic>
+      <p:pic>
+        <p:nvPicPr>
+          <p:cNvPr id="8" name="Picture 7">
+            <a:extLst>
+              <a:ext uri="{FF2B5EF4-FFF2-40B4-BE49-F238E27FC236}">
+                <a16:creationId xmlns:a16="http://schemas.microsoft.com/office/drawing/2014/main" id="{B8937C21-4107-4A6F-B427-C653A238B69B}"/>
+              </a:ext>
+            </a:extLst>
+          </p:cNvPr>
+          <p:cNvPicPr>
+            <a:picLocks noChangeAspect="1"/>
+          </p:cNvPicPr>
+          <p:nvPr/>
+        </p:nvPicPr>
+        <p:blipFill>
+          <a:blip r:embed="rId5"/>
+          <a:stretch>
+            <a:fillRect/>
+          </a:stretch>
+        </p:blipFill>
+        <p:spPr>
+          <a:xfrm>
+            <a:off x="8610600" y="1714500"/>
+            <a:ext cx="2094520" cy="609600"/>
           </a:xfrm>
           <a:prstGeom prst="rect">
             <a:avLst/>
